--- a/Presentation/Presentation.pptx
+++ b/Presentation/Presentation.pptx
@@ -24,16 +24,16 @@
   <p:notesSz cx="6858000" cy="9144000"/>
   <p:embeddedFontLst>
     <p:embeddedFont>
-      <p:font typeface="Lato Light" panose="020B0604020202020204" charset="0"/>
+      <p:font typeface="Roboto Slab Light" panose="020B0604020202020204" charset="0"/>
       <p:regular r:id="rId14"/>
       <p:bold r:id="rId15"/>
-      <p:italic r:id="rId16"/>
-      <p:boldItalic r:id="rId17"/>
     </p:embeddedFont>
     <p:embeddedFont>
-      <p:font typeface="Roboto Slab Light" panose="020B0604020202020204" charset="0"/>
-      <p:regular r:id="rId18"/>
-      <p:bold r:id="rId19"/>
+      <p:font typeface="Lato Light" panose="020B0604020202020204" charset="0"/>
+      <p:regular r:id="rId16"/>
+      <p:bold r:id="rId17"/>
+      <p:italic r:id="rId18"/>
+      <p:boldItalic r:id="rId19"/>
     </p:embeddedFont>
   </p:embeddedFontLst>
   <p:defaultTextStyle>
@@ -265,6 +265,11 @@
       </a:defRPr>
     </a:lvl9pPr>
   </p:defaultTextStyle>
+  <p:extLst>
+    <p:ext uri="{EFAFB233-063F-42B5-8137-9DF3F51BA10A}">
+      <p15:sldGuideLst xmlns:p15="http://schemas.microsoft.com/office/powerpoint/2012/main"/>
+    </p:ext>
+  </p:extLst>
 </p:presentation>
 </file>
 
@@ -4309,6 +4314,13 @@
         </dgm:presLayoutVars>
       </dgm:prSet>
       <dgm:spPr/>
+      <dgm:t>
+        <a:bodyPr/>
+        <a:lstStyle/>
+        <a:p>
+          <a:endParaRPr lang="en-US"/>
+        </a:p>
+      </dgm:t>
     </dgm:pt>
     <dgm:pt modelId="{9CFDA5BE-08BE-448F-909D-BB3E0DE7148F}" type="pres">
       <dgm:prSet presAssocID="{D2554554-9DF9-4898-AE54-74F15EB446DB}" presName="root1" presStyleCnt="0"/>
@@ -4336,10 +4348,24 @@
     <dgm:pt modelId="{7A95CE35-D224-486F-AA43-FC4B37BFD247}" type="pres">
       <dgm:prSet presAssocID="{41AEF264-8EDA-4B8A-BE8C-8FF5D99242CC}" presName="conn2-1" presStyleLbl="parChTrans1D2" presStyleIdx="0" presStyleCnt="3"/>
       <dgm:spPr/>
+      <dgm:t>
+        <a:bodyPr/>
+        <a:lstStyle/>
+        <a:p>
+          <a:endParaRPr lang="en-US"/>
+        </a:p>
+      </dgm:t>
     </dgm:pt>
     <dgm:pt modelId="{A02D864A-229F-468D-AEE2-98EA9780EC1C}" type="pres">
       <dgm:prSet presAssocID="{41AEF264-8EDA-4B8A-BE8C-8FF5D99242CC}" presName="connTx" presStyleLbl="parChTrans1D2" presStyleIdx="0" presStyleCnt="3"/>
       <dgm:spPr/>
+      <dgm:t>
+        <a:bodyPr/>
+        <a:lstStyle/>
+        <a:p>
+          <a:endParaRPr lang="en-US"/>
+        </a:p>
+      </dgm:t>
     </dgm:pt>
     <dgm:pt modelId="{06E4EEBF-C2F6-44B9-8F52-468FD2F6EF87}" type="pres">
       <dgm:prSet presAssocID="{FF42F87C-FE99-43A4-B03D-3EC943627A10}" presName="root2" presStyleCnt="0"/>
@@ -4367,10 +4393,24 @@
     <dgm:pt modelId="{9EF81B97-C6C2-401F-B9E8-88A4E7D01AFB}" type="pres">
       <dgm:prSet presAssocID="{B15FA810-AC6C-4F05-8499-DC459C889220}" presName="conn2-1" presStyleLbl="parChTrans1D2" presStyleIdx="1" presStyleCnt="3"/>
       <dgm:spPr/>
+      <dgm:t>
+        <a:bodyPr/>
+        <a:lstStyle/>
+        <a:p>
+          <a:endParaRPr lang="en-US"/>
+        </a:p>
+      </dgm:t>
     </dgm:pt>
     <dgm:pt modelId="{551EBF66-2FB9-402D-BB4F-932FEF9B205B}" type="pres">
       <dgm:prSet presAssocID="{B15FA810-AC6C-4F05-8499-DC459C889220}" presName="connTx" presStyleLbl="parChTrans1D2" presStyleIdx="1" presStyleCnt="3"/>
       <dgm:spPr/>
+      <dgm:t>
+        <a:bodyPr/>
+        <a:lstStyle/>
+        <a:p>
+          <a:endParaRPr lang="en-US"/>
+        </a:p>
+      </dgm:t>
     </dgm:pt>
     <dgm:pt modelId="{D60CCC40-1E56-4746-9FBF-907DFDECABEA}" type="pres">
       <dgm:prSet presAssocID="{A74317AE-30AD-4D87-99B3-2604D7B0CB7C}" presName="root2" presStyleCnt="0"/>
@@ -4383,6 +4423,13 @@
         </dgm:presLayoutVars>
       </dgm:prSet>
       <dgm:spPr/>
+      <dgm:t>
+        <a:bodyPr/>
+        <a:lstStyle/>
+        <a:p>
+          <a:endParaRPr lang="en-US"/>
+        </a:p>
+      </dgm:t>
     </dgm:pt>
     <dgm:pt modelId="{627F6DBC-1E98-4EC2-AE9B-67AD740EA160}" type="pres">
       <dgm:prSet presAssocID="{A74317AE-30AD-4D87-99B3-2604D7B0CB7C}" presName="level3hierChild" presStyleCnt="0"/>
@@ -4391,10 +4438,24 @@
     <dgm:pt modelId="{3443BB6A-3332-4EAB-A6C3-C3B7FD6EDD74}" type="pres">
       <dgm:prSet presAssocID="{0201D7FC-0AC3-4B44-B37A-450873E4B5CA}" presName="conn2-1" presStyleLbl="parChTrans1D2" presStyleIdx="2" presStyleCnt="3"/>
       <dgm:spPr/>
+      <dgm:t>
+        <a:bodyPr/>
+        <a:lstStyle/>
+        <a:p>
+          <a:endParaRPr lang="en-US"/>
+        </a:p>
+      </dgm:t>
     </dgm:pt>
     <dgm:pt modelId="{6FB05CD6-A257-47DE-9666-022D55D12ADC}" type="pres">
       <dgm:prSet presAssocID="{0201D7FC-0AC3-4B44-B37A-450873E4B5CA}" presName="connTx" presStyleLbl="parChTrans1D2" presStyleIdx="2" presStyleCnt="3"/>
       <dgm:spPr/>
+      <dgm:t>
+        <a:bodyPr/>
+        <a:lstStyle/>
+        <a:p>
+          <a:endParaRPr lang="en-US"/>
+        </a:p>
+      </dgm:t>
     </dgm:pt>
     <dgm:pt modelId="{4557F08F-3838-41F9-AC44-B032F204CCD7}" type="pres">
       <dgm:prSet presAssocID="{3CFE7991-1F75-4E36-84C7-567BB040523D}" presName="root2" presStyleCnt="0"/>
@@ -4407,6 +4468,13 @@
         </dgm:presLayoutVars>
       </dgm:prSet>
       <dgm:spPr/>
+      <dgm:t>
+        <a:bodyPr/>
+        <a:lstStyle/>
+        <a:p>
+          <a:endParaRPr lang="en-US"/>
+        </a:p>
+      </dgm:t>
     </dgm:pt>
     <dgm:pt modelId="{8DF36AAB-D72C-42DF-B8A0-C1AB18CDF8BD}" type="pres">
       <dgm:prSet presAssocID="{3CFE7991-1F75-4E36-84C7-567BB040523D}" presName="level3hierChild" presStyleCnt="0"/>
@@ -4414,21 +4482,21 @@
     </dgm:pt>
   </dgm:ptLst>
   <dgm:cxnLst>
+    <dgm:cxn modelId="{862DCD10-8A45-495E-818D-ACB6FDFC2A8C}" type="presOf" srcId="{3CFE7991-1F75-4E36-84C7-567BB040523D}" destId="{8D3E3451-8C81-4239-82B0-594220BEB94A}" srcOrd="0" destOrd="0" presId="urn:microsoft.com/office/officeart/2008/layout/HorizontalMultiLevelHierarchy"/>
+    <dgm:cxn modelId="{1F8076C0-2836-4244-A65F-D2C3582E2B7D}" type="presOf" srcId="{41AEF264-8EDA-4B8A-BE8C-8FF5D99242CC}" destId="{A02D864A-229F-468D-AEE2-98EA9780EC1C}" srcOrd="1" destOrd="0" presId="urn:microsoft.com/office/officeart/2008/layout/HorizontalMultiLevelHierarchy"/>
+    <dgm:cxn modelId="{8280311D-C107-484A-BDF0-CF89324DE4C5}" type="presOf" srcId="{B15FA810-AC6C-4F05-8499-DC459C889220}" destId="{9EF81B97-C6C2-401F-B9E8-88A4E7D01AFB}" srcOrd="0" destOrd="0" presId="urn:microsoft.com/office/officeart/2008/layout/HorizontalMultiLevelHierarchy"/>
+    <dgm:cxn modelId="{96AD5830-F408-45DF-BC70-B752918E07B8}" type="presOf" srcId="{B15FA810-AC6C-4F05-8499-DC459C889220}" destId="{551EBF66-2FB9-402D-BB4F-932FEF9B205B}" srcOrd="1" destOrd="0" presId="urn:microsoft.com/office/officeart/2008/layout/HorizontalMultiLevelHierarchy"/>
+    <dgm:cxn modelId="{0D78D087-FEC6-4CF2-A16D-12787A311655}" srcId="{A4AD64E4-EA45-4E5E-96AD-5C82D89ACE39}" destId="{D2554554-9DF9-4898-AE54-74F15EB446DB}" srcOrd="0" destOrd="0" parTransId="{82A8A893-445E-4745-9221-3991CE136EA4}" sibTransId="{74039556-521B-4578-95E7-0F452044125E}"/>
+    <dgm:cxn modelId="{0AEC9A63-F637-49A3-9C90-8FDC852F4989}" srcId="{D2554554-9DF9-4898-AE54-74F15EB446DB}" destId="{FF42F87C-FE99-43A4-B03D-3EC943627A10}" srcOrd="0" destOrd="0" parTransId="{41AEF264-8EDA-4B8A-BE8C-8FF5D99242CC}" sibTransId="{D814487C-C5B6-45BE-BE26-D807E2D54FE9}"/>
     <dgm:cxn modelId="{9C7B5D88-F6FC-4D3C-9E63-7435024AE647}" type="presOf" srcId="{D2554554-9DF9-4898-AE54-74F15EB446DB}" destId="{5B13457D-1960-4723-8027-B5BB0C13C3E4}" srcOrd="0" destOrd="0" presId="urn:microsoft.com/office/officeart/2008/layout/HorizontalMultiLevelHierarchy"/>
-    <dgm:cxn modelId="{862DCD10-8A45-495E-818D-ACB6FDFC2A8C}" type="presOf" srcId="{3CFE7991-1F75-4E36-84C7-567BB040523D}" destId="{8D3E3451-8C81-4239-82B0-594220BEB94A}" srcOrd="0" destOrd="0" presId="urn:microsoft.com/office/officeart/2008/layout/HorizontalMultiLevelHierarchy"/>
-    <dgm:cxn modelId="{96AD5830-F408-45DF-BC70-B752918E07B8}" type="presOf" srcId="{B15FA810-AC6C-4F05-8499-DC459C889220}" destId="{551EBF66-2FB9-402D-BB4F-932FEF9B205B}" srcOrd="1" destOrd="0" presId="urn:microsoft.com/office/officeart/2008/layout/HorizontalMultiLevelHierarchy"/>
+    <dgm:cxn modelId="{7FAF56F2-C3AE-49BE-9441-F36D311A5E14}" srcId="{D2554554-9DF9-4898-AE54-74F15EB446DB}" destId="{A74317AE-30AD-4D87-99B3-2604D7B0CB7C}" srcOrd="1" destOrd="0" parTransId="{B15FA810-AC6C-4F05-8499-DC459C889220}" sibTransId="{54BACA88-D8F8-4DD7-BA38-26C63B18A1F4}"/>
     <dgm:cxn modelId="{D46475AA-DCDB-4EE5-9FDA-C5D056181E2B}" type="presOf" srcId="{0201D7FC-0AC3-4B44-B37A-450873E4B5CA}" destId="{3443BB6A-3332-4EAB-A6C3-C3B7FD6EDD74}" srcOrd="0" destOrd="0" presId="urn:microsoft.com/office/officeart/2008/layout/HorizontalMultiLevelHierarchy"/>
+    <dgm:cxn modelId="{035B6467-EC3A-4055-AF96-EA64BC68DDED}" type="presOf" srcId="{A4AD64E4-EA45-4E5E-96AD-5C82D89ACE39}" destId="{5B9B57F4-6924-4AA1-AC65-AE2CB9E47C6D}" srcOrd="0" destOrd="0" presId="urn:microsoft.com/office/officeart/2008/layout/HorizontalMultiLevelHierarchy"/>
+    <dgm:cxn modelId="{7E7856AB-AD8E-41BB-BE07-EE376F5BEAD8}" type="presOf" srcId="{FF42F87C-FE99-43A4-B03D-3EC943627A10}" destId="{44A16815-E8A6-4841-AB79-02BF2A85F7C5}" srcOrd="0" destOrd="0" presId="urn:microsoft.com/office/officeart/2008/layout/HorizontalMultiLevelHierarchy"/>
+    <dgm:cxn modelId="{6AB6C74E-346E-4082-AEE6-2278981F9DE7}" type="presOf" srcId="{A74317AE-30AD-4D87-99B3-2604D7B0CB7C}" destId="{7340957D-B165-4B03-8D2D-81FA4B6CFE8F}" srcOrd="0" destOrd="0" presId="urn:microsoft.com/office/officeart/2008/layout/HorizontalMultiLevelHierarchy"/>
     <dgm:cxn modelId="{D0E83591-7AA0-4B9C-B234-03BBBE3AD6CE}" type="presOf" srcId="{0201D7FC-0AC3-4B44-B37A-450873E4B5CA}" destId="{6FB05CD6-A257-47DE-9666-022D55D12ADC}" srcOrd="1" destOrd="0" presId="urn:microsoft.com/office/officeart/2008/layout/HorizontalMultiLevelHierarchy"/>
+    <dgm:cxn modelId="{8C773D9E-EF29-4E8B-8B21-94BAEE5404E7}" srcId="{D2554554-9DF9-4898-AE54-74F15EB446DB}" destId="{3CFE7991-1F75-4E36-84C7-567BB040523D}" srcOrd="2" destOrd="0" parTransId="{0201D7FC-0AC3-4B44-B37A-450873E4B5CA}" sibTransId="{D06CB356-B180-45E9-943C-FD713BE2DCF5}"/>
     <dgm:cxn modelId="{641B3414-622D-4D94-9B93-382EF75AC455}" type="presOf" srcId="{41AEF264-8EDA-4B8A-BE8C-8FF5D99242CC}" destId="{7A95CE35-D224-486F-AA43-FC4B37BFD247}" srcOrd="0" destOrd="0" presId="urn:microsoft.com/office/officeart/2008/layout/HorizontalMultiLevelHierarchy"/>
-    <dgm:cxn modelId="{7FAF56F2-C3AE-49BE-9441-F36D311A5E14}" srcId="{D2554554-9DF9-4898-AE54-74F15EB446DB}" destId="{A74317AE-30AD-4D87-99B3-2604D7B0CB7C}" srcOrd="1" destOrd="0" parTransId="{B15FA810-AC6C-4F05-8499-DC459C889220}" sibTransId="{54BACA88-D8F8-4DD7-BA38-26C63B18A1F4}"/>
-    <dgm:cxn modelId="{8280311D-C107-484A-BDF0-CF89324DE4C5}" type="presOf" srcId="{B15FA810-AC6C-4F05-8499-DC459C889220}" destId="{9EF81B97-C6C2-401F-B9E8-88A4E7D01AFB}" srcOrd="0" destOrd="0" presId="urn:microsoft.com/office/officeart/2008/layout/HorizontalMultiLevelHierarchy"/>
-    <dgm:cxn modelId="{035B6467-EC3A-4055-AF96-EA64BC68DDED}" type="presOf" srcId="{A4AD64E4-EA45-4E5E-96AD-5C82D89ACE39}" destId="{5B9B57F4-6924-4AA1-AC65-AE2CB9E47C6D}" srcOrd="0" destOrd="0" presId="urn:microsoft.com/office/officeart/2008/layout/HorizontalMultiLevelHierarchy"/>
-    <dgm:cxn modelId="{1F8076C0-2836-4244-A65F-D2C3582E2B7D}" type="presOf" srcId="{41AEF264-8EDA-4B8A-BE8C-8FF5D99242CC}" destId="{A02D864A-229F-468D-AEE2-98EA9780EC1C}" srcOrd="1" destOrd="0" presId="urn:microsoft.com/office/officeart/2008/layout/HorizontalMultiLevelHierarchy"/>
-    <dgm:cxn modelId="{0D78D087-FEC6-4CF2-A16D-12787A311655}" srcId="{A4AD64E4-EA45-4E5E-96AD-5C82D89ACE39}" destId="{D2554554-9DF9-4898-AE54-74F15EB446DB}" srcOrd="0" destOrd="0" parTransId="{82A8A893-445E-4745-9221-3991CE136EA4}" sibTransId="{74039556-521B-4578-95E7-0F452044125E}"/>
-    <dgm:cxn modelId="{8C773D9E-EF29-4E8B-8B21-94BAEE5404E7}" srcId="{D2554554-9DF9-4898-AE54-74F15EB446DB}" destId="{3CFE7991-1F75-4E36-84C7-567BB040523D}" srcOrd="2" destOrd="0" parTransId="{0201D7FC-0AC3-4B44-B37A-450873E4B5CA}" sibTransId="{D06CB356-B180-45E9-943C-FD713BE2DCF5}"/>
-    <dgm:cxn modelId="{6AB6C74E-346E-4082-AEE6-2278981F9DE7}" type="presOf" srcId="{A74317AE-30AD-4D87-99B3-2604D7B0CB7C}" destId="{7340957D-B165-4B03-8D2D-81FA4B6CFE8F}" srcOrd="0" destOrd="0" presId="urn:microsoft.com/office/officeart/2008/layout/HorizontalMultiLevelHierarchy"/>
-    <dgm:cxn modelId="{0AEC9A63-F637-49A3-9C90-8FDC852F4989}" srcId="{D2554554-9DF9-4898-AE54-74F15EB446DB}" destId="{FF42F87C-FE99-43A4-B03D-3EC943627A10}" srcOrd="0" destOrd="0" parTransId="{41AEF264-8EDA-4B8A-BE8C-8FF5D99242CC}" sibTransId="{D814487C-C5B6-45BE-BE26-D807E2D54FE9}"/>
-    <dgm:cxn modelId="{7E7856AB-AD8E-41BB-BE07-EE376F5BEAD8}" type="presOf" srcId="{FF42F87C-FE99-43A4-B03D-3EC943627A10}" destId="{44A16815-E8A6-4841-AB79-02BF2A85F7C5}" srcOrd="0" destOrd="0" presId="urn:microsoft.com/office/officeart/2008/layout/HorizontalMultiLevelHierarchy"/>
     <dgm:cxn modelId="{FDA2FA8D-DB73-4ED0-9FC1-6EF6AD14FBED}" type="presParOf" srcId="{5B9B57F4-6924-4AA1-AC65-AE2CB9E47C6D}" destId="{9CFDA5BE-08BE-448F-909D-BB3E0DE7148F}" srcOrd="0" destOrd="0" presId="urn:microsoft.com/office/officeart/2008/layout/HorizontalMultiLevelHierarchy"/>
     <dgm:cxn modelId="{FA3DC6FB-2F36-4B86-AD33-1B7DE397FD54}" type="presParOf" srcId="{9CFDA5BE-08BE-448F-909D-BB3E0DE7148F}" destId="{5B13457D-1960-4723-8027-B5BB0C13C3E4}" srcOrd="0" destOrd="0" presId="urn:microsoft.com/office/officeart/2008/layout/HorizontalMultiLevelHierarchy"/>
     <dgm:cxn modelId="{E512534E-41C2-4945-AEA7-718CF4DD8B98}" type="presParOf" srcId="{9CFDA5BE-08BE-448F-909D-BB3E0DE7148F}" destId="{3B14A5DA-FD94-4B83-91C3-113DF8269030}" srcOrd="1" destOrd="0" presId="urn:microsoft.com/office/officeart/2008/layout/HorizontalMultiLevelHierarchy"/>
@@ -4704,6 +4772,13 @@
         </dgm:presLayoutVars>
       </dgm:prSet>
       <dgm:spPr/>
+      <dgm:t>
+        <a:bodyPr/>
+        <a:lstStyle/>
+        <a:p>
+          <a:endParaRPr lang="en-US"/>
+        </a:p>
+      </dgm:t>
     </dgm:pt>
     <dgm:pt modelId="{33E1403A-109F-4CA5-BDA8-3B522BF5DC16}" type="pres">
       <dgm:prSet presAssocID="{2F051AF5-6697-4478-BC15-B1A168111E04}" presName="horFlow" presStyleCnt="0"/>
@@ -4731,6 +4806,13 @@
         </dgm:presLayoutVars>
       </dgm:prSet>
       <dgm:spPr/>
+      <dgm:t>
+        <a:bodyPr/>
+        <a:lstStyle/>
+        <a:p>
+          <a:endParaRPr lang="en-US"/>
+        </a:p>
+      </dgm:t>
     </dgm:pt>
     <dgm:pt modelId="{8205806B-BA5B-4ED7-B8A6-A27BE6EF138A}" type="pres">
       <dgm:prSet presAssocID="{2F051AF5-6697-4478-BC15-B1A168111E04}" presName="vSp" presStyleCnt="0"/>
@@ -4743,6 +4825,13 @@
     <dgm:pt modelId="{D51F0D94-0DD5-4323-9461-7821F4E16521}" type="pres">
       <dgm:prSet presAssocID="{9C5037B3-1337-4481-B07C-A8BEAC6BB07E}" presName="bigChev" presStyleLbl="node1" presStyleIdx="1" presStyleCnt="3"/>
       <dgm:spPr/>
+      <dgm:t>
+        <a:bodyPr/>
+        <a:lstStyle/>
+        <a:p>
+          <a:endParaRPr lang="en-US"/>
+        </a:p>
+      </dgm:t>
     </dgm:pt>
     <dgm:pt modelId="{D0DFA06F-B0CE-4032-BAA3-81DE5F7088B7}" type="pres">
       <dgm:prSet presAssocID="{037CEC5E-36B4-4190-9FDE-907776A63E7C}" presName="parTrans" presStyleCnt="0"/>
@@ -4755,6 +4844,13 @@
         </dgm:presLayoutVars>
       </dgm:prSet>
       <dgm:spPr/>
+      <dgm:t>
+        <a:bodyPr/>
+        <a:lstStyle/>
+        <a:p>
+          <a:endParaRPr lang="en-US"/>
+        </a:p>
+      </dgm:t>
     </dgm:pt>
     <dgm:pt modelId="{D4A57B26-6296-4DCD-B4A5-EF33BEDB0BD5}" type="pres">
       <dgm:prSet presAssocID="{9C5037B3-1337-4481-B07C-A8BEAC6BB07E}" presName="vSp" presStyleCnt="0"/>
@@ -4797,18 +4893,18 @@
   </dgm:ptLst>
   <dgm:cxnLst>
     <dgm:cxn modelId="{21635602-0727-4ACD-AA42-2BC281055E41}" srcId="{5465999C-36D0-406D-B420-03339856B72E}" destId="{2F051AF5-6697-4478-BC15-B1A168111E04}" srcOrd="0" destOrd="0" parTransId="{A3644AEE-8714-43ED-9ADE-07A38B0B2132}" sibTransId="{DC26B136-412D-4A8E-9E37-CDA42DAC4838}"/>
+    <dgm:cxn modelId="{D59E41B2-C9C2-4C4F-8654-D7AB9A825035}" type="presOf" srcId="{B6809568-1DC2-4D39-AA63-EBECCA566B44}" destId="{EF739CB9-A874-426E-ABFB-C17CB1D11AE9}" srcOrd="0" destOrd="0" presId="urn:microsoft.com/office/officeart/2005/8/layout/lProcess3"/>
+    <dgm:cxn modelId="{E281F6A1-9561-44F8-A93C-FB2DA7139B31}" type="presOf" srcId="{2F051AF5-6697-4478-BC15-B1A168111E04}" destId="{2E48D016-F559-4328-B945-F71E38FFF77C}" srcOrd="0" destOrd="0" presId="urn:microsoft.com/office/officeart/2005/8/layout/lProcess3"/>
     <dgm:cxn modelId="{3119440E-19D9-454E-8873-6025D7570A4E}" type="presOf" srcId="{0D81CD1E-DB4C-4162-A3A3-F359C69C0AB7}" destId="{EC3F710C-7A2E-45A7-B6BD-47E7A1E7F565}" srcOrd="0" destOrd="0" presId="urn:microsoft.com/office/officeart/2005/8/layout/lProcess3"/>
-    <dgm:cxn modelId="{81DF6FBD-AE99-412B-BDC0-C5447F24B2E5}" type="presOf" srcId="{5465999C-36D0-406D-B420-03339856B72E}" destId="{12CABFBA-2600-4C2F-91EA-A603CEB7FFE4}" srcOrd="0" destOrd="0" presId="urn:microsoft.com/office/officeart/2005/8/layout/lProcess3"/>
+    <dgm:cxn modelId="{CC923D70-CC67-4D47-846F-37F7BCE9BE72}" srcId="{5465999C-36D0-406D-B420-03339856B72E}" destId="{0D81CD1E-DB4C-4162-A3A3-F359C69C0AB7}" srcOrd="2" destOrd="0" parTransId="{DC58ECB3-3BA8-45A5-BA2D-97ED802D9BE8}" sibTransId="{23CF3A1E-BA69-44AD-B54E-00E0FDF6B01E}"/>
+    <dgm:cxn modelId="{BE47B319-3867-4F27-92F3-42004E6E1BEE}" srcId="{0D81CD1E-DB4C-4162-A3A3-F359C69C0AB7}" destId="{CA24A74E-EBE1-4EB1-B3AF-3F861594831C}" srcOrd="0" destOrd="0" parTransId="{6905170D-826E-4C48-A6D7-CACD5BC83136}" sibTransId="{3242DEA8-3360-4506-B699-72C263DB0DCA}"/>
+    <dgm:cxn modelId="{64A8E053-C1EB-4610-886C-570A97E1ED21}" type="presOf" srcId="{9C5037B3-1337-4481-B07C-A8BEAC6BB07E}" destId="{D51F0D94-0DD5-4323-9461-7821F4E16521}" srcOrd="0" destOrd="0" presId="urn:microsoft.com/office/officeart/2005/8/layout/lProcess3"/>
     <dgm:cxn modelId="{9312081E-CE39-40CF-860B-F8D25CAFDF83}" srcId="{5465999C-36D0-406D-B420-03339856B72E}" destId="{9C5037B3-1337-4481-B07C-A8BEAC6BB07E}" srcOrd="1" destOrd="0" parTransId="{86971F23-9607-43BD-82AF-046922A43CC8}" sibTransId="{D5E2065F-19E0-4FF5-9D25-18E9FF6FC73F}"/>
     <dgm:cxn modelId="{3ADCA7F8-6B4C-4F0F-8261-03AFF0F77EC0}" srcId="{9C5037B3-1337-4481-B07C-A8BEAC6BB07E}" destId="{B6809568-1DC2-4D39-AA63-EBECCA566B44}" srcOrd="0" destOrd="0" parTransId="{037CEC5E-36B4-4190-9FDE-907776A63E7C}" sibTransId="{4E8BD715-7775-4A9B-B25C-5450C77DBD2F}"/>
-    <dgm:cxn modelId="{D59E41B2-C9C2-4C4F-8654-D7AB9A825035}" type="presOf" srcId="{B6809568-1DC2-4D39-AA63-EBECCA566B44}" destId="{EF739CB9-A874-426E-ABFB-C17CB1D11AE9}" srcOrd="0" destOrd="0" presId="urn:microsoft.com/office/officeart/2005/8/layout/lProcess3"/>
+    <dgm:cxn modelId="{EBFE862D-CC09-47C5-83B4-0E692EAF5B92}" type="presOf" srcId="{CA24A74E-EBE1-4EB1-B3AF-3F861594831C}" destId="{C8BB460A-3BA5-4D2F-8E6E-05B5F9184B1C}" srcOrd="0" destOrd="0" presId="urn:microsoft.com/office/officeart/2005/8/layout/lProcess3"/>
+    <dgm:cxn modelId="{FB18AA89-96D8-4FC0-A0E5-9FA191AE9B17}" type="presOf" srcId="{6982B098-FE82-4590-9D19-71CC98C721AA}" destId="{6FF147C8-F510-4581-8A20-3320CEAEDA01}" srcOrd="0" destOrd="0" presId="urn:microsoft.com/office/officeart/2005/8/layout/lProcess3"/>
     <dgm:cxn modelId="{C4F9CCF2-16B4-4709-B49A-0A9A4072DDC3}" srcId="{2F051AF5-6697-4478-BC15-B1A168111E04}" destId="{6982B098-FE82-4590-9D19-71CC98C721AA}" srcOrd="0" destOrd="0" parTransId="{26C5C75D-F942-4BBD-B801-3398E67319F3}" sibTransId="{B509A87A-9240-476F-8771-4255852C45C6}"/>
-    <dgm:cxn modelId="{FB18AA89-96D8-4FC0-A0E5-9FA191AE9B17}" type="presOf" srcId="{6982B098-FE82-4590-9D19-71CC98C721AA}" destId="{6FF147C8-F510-4581-8A20-3320CEAEDA01}" srcOrd="0" destOrd="0" presId="urn:microsoft.com/office/officeart/2005/8/layout/lProcess3"/>
-    <dgm:cxn modelId="{EBFE862D-CC09-47C5-83B4-0E692EAF5B92}" type="presOf" srcId="{CA24A74E-EBE1-4EB1-B3AF-3F861594831C}" destId="{C8BB460A-3BA5-4D2F-8E6E-05B5F9184B1C}" srcOrd="0" destOrd="0" presId="urn:microsoft.com/office/officeart/2005/8/layout/lProcess3"/>
-    <dgm:cxn modelId="{CC923D70-CC67-4D47-846F-37F7BCE9BE72}" srcId="{5465999C-36D0-406D-B420-03339856B72E}" destId="{0D81CD1E-DB4C-4162-A3A3-F359C69C0AB7}" srcOrd="2" destOrd="0" parTransId="{DC58ECB3-3BA8-45A5-BA2D-97ED802D9BE8}" sibTransId="{23CF3A1E-BA69-44AD-B54E-00E0FDF6B01E}"/>
-    <dgm:cxn modelId="{BE47B319-3867-4F27-92F3-42004E6E1BEE}" srcId="{0D81CD1E-DB4C-4162-A3A3-F359C69C0AB7}" destId="{CA24A74E-EBE1-4EB1-B3AF-3F861594831C}" srcOrd="0" destOrd="0" parTransId="{6905170D-826E-4C48-A6D7-CACD5BC83136}" sibTransId="{3242DEA8-3360-4506-B699-72C263DB0DCA}"/>
-    <dgm:cxn modelId="{E281F6A1-9561-44F8-A93C-FB2DA7139B31}" type="presOf" srcId="{2F051AF5-6697-4478-BC15-B1A168111E04}" destId="{2E48D016-F559-4328-B945-F71E38FFF77C}" srcOrd="0" destOrd="0" presId="urn:microsoft.com/office/officeart/2005/8/layout/lProcess3"/>
-    <dgm:cxn modelId="{64A8E053-C1EB-4610-886C-570A97E1ED21}" type="presOf" srcId="{9C5037B3-1337-4481-B07C-A8BEAC6BB07E}" destId="{D51F0D94-0DD5-4323-9461-7821F4E16521}" srcOrd="0" destOrd="0" presId="urn:microsoft.com/office/officeart/2005/8/layout/lProcess3"/>
+    <dgm:cxn modelId="{81DF6FBD-AE99-412B-BDC0-C5447F24B2E5}" type="presOf" srcId="{5465999C-36D0-406D-B420-03339856B72E}" destId="{12CABFBA-2600-4C2F-91EA-A603CEB7FFE4}" srcOrd="0" destOrd="0" presId="urn:microsoft.com/office/officeart/2005/8/layout/lProcess3"/>
     <dgm:cxn modelId="{4DEACD70-8A19-4F86-9943-FD81B98AC2E5}" type="presParOf" srcId="{12CABFBA-2600-4C2F-91EA-A603CEB7FFE4}" destId="{33E1403A-109F-4CA5-BDA8-3B522BF5DC16}" srcOrd="0" destOrd="0" presId="urn:microsoft.com/office/officeart/2005/8/layout/lProcess3"/>
     <dgm:cxn modelId="{82F695FF-4EC0-47BA-9388-B77350271005}" type="presParOf" srcId="{33E1403A-109F-4CA5-BDA8-3B522BF5DC16}" destId="{2E48D016-F559-4328-B945-F71E38FFF77C}" srcOrd="0" destOrd="0" presId="urn:microsoft.com/office/officeart/2005/8/layout/lProcess3"/>
     <dgm:cxn modelId="{FDB0C067-F594-47E6-BBDD-1D99DA3B6DEE}" type="presParOf" srcId="{33E1403A-109F-4CA5-BDA8-3B522BF5DC16}" destId="{A4ED8F20-2391-4966-8A0C-22F940B858AA}" srcOrd="1" destOrd="0" presId="urn:microsoft.com/office/officeart/2005/8/layout/lProcess3"/>
@@ -5154,6 +5250,13 @@
         </dgm:presLayoutVars>
       </dgm:prSet>
       <dgm:spPr/>
+      <dgm:t>
+        <a:bodyPr/>
+        <a:lstStyle/>
+        <a:p>
+          <a:endParaRPr lang="en-US"/>
+        </a:p>
+      </dgm:t>
     </dgm:pt>
     <dgm:pt modelId="{33E1403A-109F-4CA5-BDA8-3B522BF5DC16}" type="pres">
       <dgm:prSet presAssocID="{2F051AF5-6697-4478-BC15-B1A168111E04}" presName="horFlow" presStyleCnt="0"/>
@@ -5181,6 +5284,13 @@
         </dgm:presLayoutVars>
       </dgm:prSet>
       <dgm:spPr/>
+      <dgm:t>
+        <a:bodyPr/>
+        <a:lstStyle/>
+        <a:p>
+          <a:endParaRPr lang="en-US"/>
+        </a:p>
+      </dgm:t>
     </dgm:pt>
     <dgm:pt modelId="{8205806B-BA5B-4ED7-B8A6-A27BE6EF138A}" type="pres">
       <dgm:prSet presAssocID="{2F051AF5-6697-4478-BC15-B1A168111E04}" presName="vSp" presStyleCnt="0"/>
@@ -5212,6 +5322,13 @@
         </dgm:presLayoutVars>
       </dgm:prSet>
       <dgm:spPr/>
+      <dgm:t>
+        <a:bodyPr/>
+        <a:lstStyle/>
+        <a:p>
+          <a:endParaRPr lang="en-US"/>
+        </a:p>
+      </dgm:t>
     </dgm:pt>
     <dgm:pt modelId="{D4A57B26-6296-4DCD-B4A5-EF33BEDB0BD5}" type="pres">
       <dgm:prSet presAssocID="{9C5037B3-1337-4481-B07C-A8BEAC6BB07E}" presName="vSp" presStyleCnt="0"/>
@@ -5658,6 +5775,13 @@
         </dgm:presLayoutVars>
       </dgm:prSet>
       <dgm:spPr/>
+      <dgm:t>
+        <a:bodyPr/>
+        <a:lstStyle/>
+        <a:p>
+          <a:endParaRPr lang="en-US"/>
+        </a:p>
+      </dgm:t>
     </dgm:pt>
     <dgm:pt modelId="{33E1403A-109F-4CA5-BDA8-3B522BF5DC16}" type="pres">
       <dgm:prSet presAssocID="{2F051AF5-6697-4478-BC15-B1A168111E04}" presName="horFlow" presStyleCnt="0"/>
@@ -5685,6 +5809,13 @@
         </dgm:presLayoutVars>
       </dgm:prSet>
       <dgm:spPr/>
+      <dgm:t>
+        <a:bodyPr/>
+        <a:lstStyle/>
+        <a:p>
+          <a:endParaRPr lang="en-US"/>
+        </a:p>
+      </dgm:t>
     </dgm:pt>
     <dgm:pt modelId="{8205806B-BA5B-4ED7-B8A6-A27BE6EF138A}" type="pres">
       <dgm:prSet presAssocID="{2F051AF5-6697-4478-BC15-B1A168111E04}" presName="vSp" presStyleCnt="0"/>
@@ -5716,6 +5847,13 @@
         </dgm:presLayoutVars>
       </dgm:prSet>
       <dgm:spPr/>
+      <dgm:t>
+        <a:bodyPr/>
+        <a:lstStyle/>
+        <a:p>
+          <a:endParaRPr lang="en-US"/>
+        </a:p>
+      </dgm:t>
     </dgm:pt>
     <dgm:pt modelId="{D4A57B26-6296-4DCD-B4A5-EF33BEDB0BD5}" type="pres">
       <dgm:prSet presAssocID="{9C5037B3-1337-4481-B07C-A8BEAC6BB07E}" presName="vSp" presStyleCnt="0"/>
@@ -5808,8 +5946,8 @@
     <dgm:cxn modelId="{3ADCA7F8-6B4C-4F0F-8261-03AFF0F77EC0}" srcId="{9C5037B3-1337-4481-B07C-A8BEAC6BB07E}" destId="{B6809568-1DC2-4D39-AA63-EBECCA566B44}" srcOrd="0" destOrd="0" parTransId="{037CEC5E-36B4-4190-9FDE-907776A63E7C}" sibTransId="{4E8BD715-7775-4A9B-B25C-5450C77DBD2F}"/>
     <dgm:cxn modelId="{B6C7038D-CA49-4C33-8DCC-1497F8639E62}" type="presOf" srcId="{CA24A74E-EBE1-4EB1-B3AF-3F861594831C}" destId="{C8BB460A-3BA5-4D2F-8E6E-05B5F9184B1C}" srcOrd="0" destOrd="0" presId="urn:microsoft.com/office/officeart/2005/8/layout/lProcess3"/>
     <dgm:cxn modelId="{C4F9CCF2-16B4-4709-B49A-0A9A4072DDC3}" srcId="{2F051AF5-6697-4478-BC15-B1A168111E04}" destId="{6982B098-FE82-4590-9D19-71CC98C721AA}" srcOrd="0" destOrd="0" parTransId="{26C5C75D-F942-4BBD-B801-3398E67319F3}" sibTransId="{B509A87A-9240-476F-8771-4255852C45C6}"/>
+    <dgm:cxn modelId="{9EED759C-D525-4AB1-A0E3-24724EB32AA3}" type="presOf" srcId="{6982B098-FE82-4590-9D19-71CC98C721AA}" destId="{6FF147C8-F510-4581-8A20-3320CEAEDA01}" srcOrd="0" destOrd="0" presId="urn:microsoft.com/office/officeart/2005/8/layout/lProcess3"/>
     <dgm:cxn modelId="{126F15D0-9A64-4A84-B94F-4A5404BDEED3}" type="presOf" srcId="{57110952-ECF9-4329-93C7-299C2855BF8A}" destId="{F9E73588-CFBC-473C-98F3-3E6114A98896}" srcOrd="0" destOrd="0" presId="urn:microsoft.com/office/officeart/2005/8/layout/lProcess3"/>
-    <dgm:cxn modelId="{9EED759C-D525-4AB1-A0E3-24724EB32AA3}" type="presOf" srcId="{6982B098-FE82-4590-9D19-71CC98C721AA}" destId="{6FF147C8-F510-4581-8A20-3320CEAEDA01}" srcOrd="0" destOrd="0" presId="urn:microsoft.com/office/officeart/2005/8/layout/lProcess3"/>
     <dgm:cxn modelId="{9E0CD938-F39D-4618-A1DE-D88BAF36FEB4}" type="presOf" srcId="{5465999C-36D0-406D-B420-03339856B72E}" destId="{12CABFBA-2600-4C2F-91EA-A603CEB7FFE4}" srcOrd="0" destOrd="0" presId="urn:microsoft.com/office/officeart/2005/8/layout/lProcess3"/>
     <dgm:cxn modelId="{40336ADA-3BEC-4209-9FC1-2A3CD354BBDF}" type="presOf" srcId="{7CBFA96F-66D7-4F33-921E-282ABD11FF10}" destId="{DACE7244-69C2-4BEC-B512-AB9449BD9A34}" srcOrd="0" destOrd="0" presId="urn:microsoft.com/office/officeart/2005/8/layout/lProcess3"/>
     <dgm:cxn modelId="{84C177DD-AD67-4711-9620-129F1A6BB1C2}" type="presParOf" srcId="{12CABFBA-2600-4C2F-91EA-A603CEB7FFE4}" destId="{33E1403A-109F-4CA5-BDA8-3B522BF5DC16}" srcOrd="0" destOrd="0" presId="urn:microsoft.com/office/officeart/2005/8/layout/lProcess3"/>
@@ -6162,6 +6300,13 @@
         </dgm:presLayoutVars>
       </dgm:prSet>
       <dgm:spPr/>
+      <dgm:t>
+        <a:bodyPr/>
+        <a:lstStyle/>
+        <a:p>
+          <a:endParaRPr lang="en-US"/>
+        </a:p>
+      </dgm:t>
     </dgm:pt>
     <dgm:pt modelId="{33E1403A-109F-4CA5-BDA8-3B522BF5DC16}" type="pres">
       <dgm:prSet presAssocID="{2F051AF5-6697-4478-BC15-B1A168111E04}" presName="horFlow" presStyleCnt="0"/>
@@ -6189,6 +6334,13 @@
         </dgm:presLayoutVars>
       </dgm:prSet>
       <dgm:spPr/>
+      <dgm:t>
+        <a:bodyPr/>
+        <a:lstStyle/>
+        <a:p>
+          <a:endParaRPr lang="en-US"/>
+        </a:p>
+      </dgm:t>
     </dgm:pt>
     <dgm:pt modelId="{8205806B-BA5B-4ED7-B8A6-A27BE6EF138A}" type="pres">
       <dgm:prSet presAssocID="{2F051AF5-6697-4478-BC15-B1A168111E04}" presName="vSp" presStyleCnt="0"/>
@@ -6220,6 +6372,13 @@
         </dgm:presLayoutVars>
       </dgm:prSet>
       <dgm:spPr/>
+      <dgm:t>
+        <a:bodyPr/>
+        <a:lstStyle/>
+        <a:p>
+          <a:endParaRPr lang="en-US"/>
+        </a:p>
+      </dgm:t>
     </dgm:pt>
     <dgm:pt modelId="{D4A57B26-6296-4DCD-B4A5-EF33BEDB0BD5}" type="pres">
       <dgm:prSet presAssocID="{9C5037B3-1337-4481-B07C-A8BEAC6BB07E}" presName="vSp" presStyleCnt="0"/>
@@ -6299,23 +6458,23 @@
     </dgm:pt>
   </dgm:ptLst>
   <dgm:cxnLst>
-    <dgm:cxn modelId="{9312081E-CE39-40CF-860B-F8D25CAFDF83}" srcId="{5465999C-36D0-406D-B420-03339856B72E}" destId="{9C5037B3-1337-4481-B07C-A8BEAC6BB07E}" srcOrd="1" destOrd="0" parTransId="{86971F23-9607-43BD-82AF-046922A43CC8}" sibTransId="{D5E2065F-19E0-4FF5-9D25-18E9FF6FC73F}"/>
+    <dgm:cxn modelId="{45CA13D6-5860-4B36-ABB0-FEB4E28562C4}" type="presOf" srcId="{7CBFA96F-66D7-4F33-921E-282ABD11FF10}" destId="{DACE7244-69C2-4BEC-B512-AB9449BD9A34}" srcOrd="0" destOrd="0" presId="urn:microsoft.com/office/officeart/2005/8/layout/lProcess3"/>
     <dgm:cxn modelId="{21635602-0727-4ACD-AA42-2BC281055E41}" srcId="{5465999C-36D0-406D-B420-03339856B72E}" destId="{2F051AF5-6697-4478-BC15-B1A168111E04}" srcOrd="0" destOrd="0" parTransId="{A3644AEE-8714-43ED-9ADE-07A38B0B2132}" sibTransId="{DC26B136-412D-4A8E-9E37-CDA42DAC4838}"/>
-    <dgm:cxn modelId="{4118E8BB-C987-4945-AA55-C9FC48908E29}" type="presOf" srcId="{CA24A74E-EBE1-4EB1-B3AF-3F861594831C}" destId="{C8BB460A-3BA5-4D2F-8E6E-05B5F9184B1C}" srcOrd="0" destOrd="0" presId="urn:microsoft.com/office/officeart/2005/8/layout/lProcess3"/>
-    <dgm:cxn modelId="{3ADCA7F8-6B4C-4F0F-8261-03AFF0F77EC0}" srcId="{9C5037B3-1337-4481-B07C-A8BEAC6BB07E}" destId="{B6809568-1DC2-4D39-AA63-EBECCA566B44}" srcOrd="0" destOrd="0" parTransId="{037CEC5E-36B4-4190-9FDE-907776A63E7C}" sibTransId="{4E8BD715-7775-4A9B-B25C-5450C77DBD2F}"/>
-    <dgm:cxn modelId="{CC923D70-CC67-4D47-846F-37F7BCE9BE72}" srcId="{5465999C-36D0-406D-B420-03339856B72E}" destId="{0D81CD1E-DB4C-4162-A3A3-F359C69C0AB7}" srcOrd="2" destOrd="0" parTransId="{DC58ECB3-3BA8-45A5-BA2D-97ED802D9BE8}" sibTransId="{23CF3A1E-BA69-44AD-B54E-00E0FDF6B01E}"/>
-    <dgm:cxn modelId="{1460C8C8-38A1-439B-BE0F-50774EAC61E5}" srcId="{5465999C-36D0-406D-B420-03339856B72E}" destId="{7CBFA96F-66D7-4F33-921E-282ABD11FF10}" srcOrd="3" destOrd="0" parTransId="{E0433239-9D9F-4D90-8FF1-B9100DCD5669}" sibTransId="{0E27D198-B36F-4A9E-9F23-0E22FF7FB318}"/>
-    <dgm:cxn modelId="{45CA13D6-5860-4B36-ABB0-FEB4E28562C4}" type="presOf" srcId="{7CBFA96F-66D7-4F33-921E-282ABD11FF10}" destId="{DACE7244-69C2-4BEC-B512-AB9449BD9A34}" srcOrd="0" destOrd="0" presId="urn:microsoft.com/office/officeart/2005/8/layout/lProcess3"/>
+    <dgm:cxn modelId="{F610C4F0-E8DE-4640-AC9F-135A7D2A7A20}" type="presOf" srcId="{B6809568-1DC2-4D39-AA63-EBECCA566B44}" destId="{EF739CB9-A874-426E-ABFB-C17CB1D11AE9}" srcOrd="0" destOrd="0" presId="urn:microsoft.com/office/officeart/2005/8/layout/lProcess3"/>
+    <dgm:cxn modelId="{5415EBCF-E507-4021-B438-9870B56A0CD9}" type="presOf" srcId="{57110952-ECF9-4329-93C7-299C2855BF8A}" destId="{F9E73588-CFBC-473C-98F3-3E6114A98896}" srcOrd="0" destOrd="0" presId="urn:microsoft.com/office/officeart/2005/8/layout/lProcess3"/>
+    <dgm:cxn modelId="{A22BE126-38F7-40AC-9C2F-525726617AB5}" type="presOf" srcId="{0D81CD1E-DB4C-4162-A3A3-F359C69C0AB7}" destId="{EC3F710C-7A2E-45A7-B6BD-47E7A1E7F565}" srcOrd="0" destOrd="0" presId="urn:microsoft.com/office/officeart/2005/8/layout/lProcess3"/>
     <dgm:cxn modelId="{1FCC7D7F-8711-4C2E-88EF-66D6703821A5}" type="presOf" srcId="{5465999C-36D0-406D-B420-03339856B72E}" destId="{12CABFBA-2600-4C2F-91EA-A603CEB7FFE4}" srcOrd="0" destOrd="0" presId="urn:microsoft.com/office/officeart/2005/8/layout/lProcess3"/>
     <dgm:cxn modelId="{5135A12B-E0F1-4267-A229-4E5722B6AE17}" type="presOf" srcId="{9C5037B3-1337-4481-B07C-A8BEAC6BB07E}" destId="{D51F0D94-0DD5-4323-9461-7821F4E16521}" srcOrd="0" destOrd="0" presId="urn:microsoft.com/office/officeart/2005/8/layout/lProcess3"/>
+    <dgm:cxn modelId="{CC923D70-CC67-4D47-846F-37F7BCE9BE72}" srcId="{5465999C-36D0-406D-B420-03339856B72E}" destId="{0D81CD1E-DB4C-4162-A3A3-F359C69C0AB7}" srcOrd="2" destOrd="0" parTransId="{DC58ECB3-3BA8-45A5-BA2D-97ED802D9BE8}" sibTransId="{23CF3A1E-BA69-44AD-B54E-00E0FDF6B01E}"/>
+    <dgm:cxn modelId="{BE47B319-3867-4F27-92F3-42004E6E1BEE}" srcId="{0D81CD1E-DB4C-4162-A3A3-F359C69C0AB7}" destId="{CA24A74E-EBE1-4EB1-B3AF-3F861594831C}" srcOrd="0" destOrd="0" parTransId="{6905170D-826E-4C48-A6D7-CACD5BC83136}" sibTransId="{3242DEA8-3360-4506-B699-72C263DB0DCA}"/>
+    <dgm:cxn modelId="{1460C8C8-38A1-439B-BE0F-50774EAC61E5}" srcId="{5465999C-36D0-406D-B420-03339856B72E}" destId="{7CBFA96F-66D7-4F33-921E-282ABD11FF10}" srcOrd="3" destOrd="0" parTransId="{E0433239-9D9F-4D90-8FF1-B9100DCD5669}" sibTransId="{0E27D198-B36F-4A9E-9F23-0E22FF7FB318}"/>
+    <dgm:cxn modelId="{45145541-572D-4DFF-9911-066D442F1C64}" srcId="{7CBFA96F-66D7-4F33-921E-282ABD11FF10}" destId="{57110952-ECF9-4329-93C7-299C2855BF8A}" srcOrd="0" destOrd="0" parTransId="{A65F995B-EB90-4D15-939D-1A6F9793FE7C}" sibTransId="{674E83FD-9696-48AC-B37A-B39E3AE39DA3}"/>
+    <dgm:cxn modelId="{9312081E-CE39-40CF-860B-F8D25CAFDF83}" srcId="{5465999C-36D0-406D-B420-03339856B72E}" destId="{9C5037B3-1337-4481-B07C-A8BEAC6BB07E}" srcOrd="1" destOrd="0" parTransId="{86971F23-9607-43BD-82AF-046922A43CC8}" sibTransId="{D5E2065F-19E0-4FF5-9D25-18E9FF6FC73F}"/>
+    <dgm:cxn modelId="{3ADCA7F8-6B4C-4F0F-8261-03AFF0F77EC0}" srcId="{9C5037B3-1337-4481-B07C-A8BEAC6BB07E}" destId="{B6809568-1DC2-4D39-AA63-EBECCA566B44}" srcOrd="0" destOrd="0" parTransId="{037CEC5E-36B4-4190-9FDE-907776A63E7C}" sibTransId="{4E8BD715-7775-4A9B-B25C-5450C77DBD2F}"/>
+    <dgm:cxn modelId="{4118E8BB-C987-4945-AA55-C9FC48908E29}" type="presOf" srcId="{CA24A74E-EBE1-4EB1-B3AF-3F861594831C}" destId="{C8BB460A-3BA5-4D2F-8E6E-05B5F9184B1C}" srcOrd="0" destOrd="0" presId="urn:microsoft.com/office/officeart/2005/8/layout/lProcess3"/>
     <dgm:cxn modelId="{DBF31EE2-1A8E-445D-9804-3D4DD0A17534}" type="presOf" srcId="{6982B098-FE82-4590-9D19-71CC98C721AA}" destId="{6FF147C8-F510-4581-8A20-3320CEAEDA01}" srcOrd="0" destOrd="0" presId="urn:microsoft.com/office/officeart/2005/8/layout/lProcess3"/>
+    <dgm:cxn modelId="{8A8D4948-C739-42BF-BCDD-426298A879A0}" type="presOf" srcId="{2F051AF5-6697-4478-BC15-B1A168111E04}" destId="{2E48D016-F559-4328-B945-F71E38FFF77C}" srcOrd="0" destOrd="0" presId="urn:microsoft.com/office/officeart/2005/8/layout/lProcess3"/>
     <dgm:cxn modelId="{C4F9CCF2-16B4-4709-B49A-0A9A4072DDC3}" srcId="{2F051AF5-6697-4478-BC15-B1A168111E04}" destId="{6982B098-FE82-4590-9D19-71CC98C721AA}" srcOrd="0" destOrd="0" parTransId="{26C5C75D-F942-4BBD-B801-3398E67319F3}" sibTransId="{B509A87A-9240-476F-8771-4255852C45C6}"/>
-    <dgm:cxn modelId="{45145541-572D-4DFF-9911-066D442F1C64}" srcId="{7CBFA96F-66D7-4F33-921E-282ABD11FF10}" destId="{57110952-ECF9-4329-93C7-299C2855BF8A}" srcOrd="0" destOrd="0" parTransId="{A65F995B-EB90-4D15-939D-1A6F9793FE7C}" sibTransId="{674E83FD-9696-48AC-B37A-B39E3AE39DA3}"/>
-    <dgm:cxn modelId="{F610C4F0-E8DE-4640-AC9F-135A7D2A7A20}" type="presOf" srcId="{B6809568-1DC2-4D39-AA63-EBECCA566B44}" destId="{EF739CB9-A874-426E-ABFB-C17CB1D11AE9}" srcOrd="0" destOrd="0" presId="urn:microsoft.com/office/officeart/2005/8/layout/lProcess3"/>
-    <dgm:cxn modelId="{5415EBCF-E507-4021-B438-9870B56A0CD9}" type="presOf" srcId="{57110952-ECF9-4329-93C7-299C2855BF8A}" destId="{F9E73588-CFBC-473C-98F3-3E6114A98896}" srcOrd="0" destOrd="0" presId="urn:microsoft.com/office/officeart/2005/8/layout/lProcess3"/>
-    <dgm:cxn modelId="{8A8D4948-C739-42BF-BCDD-426298A879A0}" type="presOf" srcId="{2F051AF5-6697-4478-BC15-B1A168111E04}" destId="{2E48D016-F559-4328-B945-F71E38FFF77C}" srcOrd="0" destOrd="0" presId="urn:microsoft.com/office/officeart/2005/8/layout/lProcess3"/>
-    <dgm:cxn modelId="{A22BE126-38F7-40AC-9C2F-525726617AB5}" type="presOf" srcId="{0D81CD1E-DB4C-4162-A3A3-F359C69C0AB7}" destId="{EC3F710C-7A2E-45A7-B6BD-47E7A1E7F565}" srcOrd="0" destOrd="0" presId="urn:microsoft.com/office/officeart/2005/8/layout/lProcess3"/>
-    <dgm:cxn modelId="{BE47B319-3867-4F27-92F3-42004E6E1BEE}" srcId="{0D81CD1E-DB4C-4162-A3A3-F359C69C0AB7}" destId="{CA24A74E-EBE1-4EB1-B3AF-3F861594831C}" srcOrd="0" destOrd="0" parTransId="{6905170D-826E-4C48-A6D7-CACD5BC83136}" sibTransId="{3242DEA8-3360-4506-B699-72C263DB0DCA}"/>
     <dgm:cxn modelId="{BDA8B19F-BC85-4FA9-B5FE-A6C827D3E047}" type="presParOf" srcId="{12CABFBA-2600-4C2F-91EA-A603CEB7FFE4}" destId="{33E1403A-109F-4CA5-BDA8-3B522BF5DC16}" srcOrd="0" destOrd="0" presId="urn:microsoft.com/office/officeart/2005/8/layout/lProcess3"/>
     <dgm:cxn modelId="{437C6070-FAFB-4B11-BB0E-23ADAA38E9A4}" type="presParOf" srcId="{33E1403A-109F-4CA5-BDA8-3B522BF5DC16}" destId="{2E48D016-F559-4328-B945-F71E38FFF77C}" srcOrd="0" destOrd="0" presId="urn:microsoft.com/office/officeart/2005/8/layout/lProcess3"/>
     <dgm:cxn modelId="{6C195A8E-ECC3-491F-B517-0FD4A4B0F86F}" type="presParOf" srcId="{33E1403A-109F-4CA5-BDA8-3B522BF5DC16}" destId="{A4ED8F20-2391-4966-8A0C-22F940B858AA}" srcOrd="1" destOrd="0" presId="urn:microsoft.com/office/officeart/2005/8/layout/lProcess3"/>
@@ -35169,6 +35328,74 @@
           </a:p>
         </p:txBody>
       </p:sp>
+      <p:sp>
+        <p:nvSpPr>
+          <p:cNvPr id="2" name="TextBox 1"/>
+          <p:cNvSpPr txBox="1"/>
+          <p:nvPr/>
+        </p:nvSpPr>
+        <p:spPr>
+          <a:xfrm>
+            <a:off x="7130265" y="3739793"/>
+            <a:ext cx="1526380" cy="1169551"/>
+          </a:xfrm>
+          <a:prstGeom prst="rect">
+            <a:avLst/>
+          </a:prstGeom>
+          <a:noFill/>
+        </p:spPr>
+        <p:txBody>
+          <a:bodyPr wrap="none" rtlCol="0">
+            <a:spAutoFit/>
+          </a:bodyPr>
+          <a:lstStyle/>
+          <a:p>
+            <a:r>
+              <a:rPr lang="en-US" b="1" dirty="0" smtClean="0"/>
+              <a:t>KUET.CV</a:t>
+            </a:r>
+            <a:r>
+              <a:rPr lang="en-US" dirty="0" smtClean="0"/>
+              <a:t/>
+            </a:r>
+            <a:br>
+              <a:rPr lang="en-US" dirty="0" smtClean="0"/>
+            </a:br>
+            <a:r>
+              <a:rPr lang="en-US" dirty="0" smtClean="0"/>
+              <a:t>Sakib Reza</a:t>
+            </a:r>
+          </a:p>
+          <a:p>
+            <a:r>
+              <a:rPr lang="en-US" dirty="0" err="1" smtClean="0"/>
+              <a:t>Rahat-uz-Zaman</a:t>
+            </a:r>
+            <a:endParaRPr lang="en-US" dirty="0" smtClean="0"/>
+          </a:p>
+          <a:p>
+            <a:r>
+              <a:rPr lang="en-US" dirty="0" err="1" smtClean="0"/>
+              <a:t>Asifur</a:t>
+            </a:r>
+            <a:r>
+              <a:rPr lang="en-US" dirty="0" smtClean="0"/>
+              <a:t> Rahman</a:t>
+            </a:r>
+          </a:p>
+          <a:p>
+            <a:r>
+              <a:rPr lang="en-US" dirty="0" err="1" smtClean="0"/>
+              <a:t>Hasib</a:t>
+            </a:r>
+            <a:r>
+              <a:rPr lang="en-US" smtClean="0"/>
+              <a:t> Iqbal</a:t>
+            </a:r>
+            <a:endParaRPr lang="en-US" dirty="0"/>
+          </a:p>
+        </p:txBody>
+      </p:sp>
     </p:spTree>
   </p:cSld>
   <p:clrMapOvr>
@@ -35614,11 +35841,7 @@
             </a:pPr>
             <a:r>
               <a:rPr lang="en-US" sz="1800" dirty="0" smtClean="0"/>
-              <a:t>In our society, there ar</a:t>
-            </a:r>
-            <a:r>
-              <a:rPr lang="en-US" sz="1800" dirty="0" smtClean="0"/>
-              <a:t>e people who have critical </a:t>
+              <a:t>In our society, there are people who have critical </a:t>
             </a:r>
             <a:r>
               <a:rPr lang="en-US" sz="1800" b="1" dirty="0" smtClean="0"/>
@@ -41630,8 +41853,8 @@
         </p:blipFill>
         <p:spPr>
           <a:xfrm>
-            <a:off x="4773481" y="977055"/>
-            <a:ext cx="3532500" cy="2228557"/>
+            <a:off x="4773481" y="994118"/>
+            <a:ext cx="3532500" cy="2194431"/>
           </a:xfrm>
           <a:prstGeom prst="rect">
             <a:avLst/>
@@ -42343,8 +42566,8 @@
         </p:blipFill>
         <p:spPr>
           <a:xfrm>
-            <a:off x="4741519" y="977055"/>
-            <a:ext cx="3451046" cy="2228557"/>
+            <a:off x="4746036" y="977055"/>
+            <a:ext cx="3442012" cy="2228557"/>
           </a:xfrm>
           <a:prstGeom prst="rect">
             <a:avLst/>
@@ -43091,6 +43314,36 @@
           </a:graphicData>
         </a:graphic>
       </p:graphicFrame>
+      <p:pic>
+        <p:nvPicPr>
+          <p:cNvPr id="4" name="Picture 3"/>
+          <p:cNvPicPr>
+            <a:picLocks noChangeAspect="1"/>
+          </p:cNvPicPr>
+          <p:nvPr/>
+        </p:nvPicPr>
+        <p:blipFill>
+          <a:blip r:embed="rId9">
+            <a:extLst>
+              <a:ext uri="{28A0092B-C50C-407E-A947-70E740481C1C}">
+                <a14:useLocalDpi xmlns:a14="http://schemas.microsoft.com/office/drawing/2010/main" val="0"/>
+              </a:ext>
+            </a:extLst>
+          </a:blip>
+          <a:stretch>
+            <a:fillRect/>
+          </a:stretch>
+        </p:blipFill>
+        <p:spPr>
+          <a:xfrm>
+            <a:off x="6564574" y="977055"/>
+            <a:ext cx="1553410" cy="2192720"/>
+          </a:xfrm>
+          <a:prstGeom prst="rect">
+            <a:avLst/>
+          </a:prstGeom>
+        </p:spPr>
+      </p:pic>
     </p:spTree>
     <p:extLst>
       <p:ext uri="{BB962C8B-B14F-4D97-AF65-F5344CB8AC3E}">
@@ -43832,6 +44085,36 @@
           <a:xfrm>
             <a:off x="4717847" y="962525"/>
             <a:ext cx="1641691" cy="2229335"/>
+          </a:xfrm>
+          <a:prstGeom prst="rect">
+            <a:avLst/>
+          </a:prstGeom>
+        </p:spPr>
+      </p:pic>
+      <p:pic>
+        <p:nvPicPr>
+          <p:cNvPr id="5" name="Picture 4"/>
+          <p:cNvPicPr>
+            <a:picLocks noChangeAspect="1"/>
+          </p:cNvPicPr>
+          <p:nvPr/>
+        </p:nvPicPr>
+        <p:blipFill>
+          <a:blip r:embed="rId10">
+            <a:extLst>
+              <a:ext uri="{28A0092B-C50C-407E-A947-70E740481C1C}">
+                <a14:useLocalDpi xmlns:a14="http://schemas.microsoft.com/office/drawing/2010/main" val="0"/>
+              </a:ext>
+            </a:extLst>
+          </a:blip>
+          <a:stretch>
+            <a:fillRect/>
+          </a:stretch>
+        </p:blipFill>
+        <p:spPr>
+          <a:xfrm>
+            <a:off x="6371771" y="1082912"/>
+            <a:ext cx="1845818" cy="2108948"/>
           </a:xfrm>
           <a:prstGeom prst="rect">
             <a:avLst/>

--- a/Presentation/Presentation.pptx
+++ b/Presentation/Presentation.pptx
@@ -5946,8 +5946,8 @@
     <dgm:cxn modelId="{3ADCA7F8-6B4C-4F0F-8261-03AFF0F77EC0}" srcId="{9C5037B3-1337-4481-B07C-A8BEAC6BB07E}" destId="{B6809568-1DC2-4D39-AA63-EBECCA566B44}" srcOrd="0" destOrd="0" parTransId="{037CEC5E-36B4-4190-9FDE-907776A63E7C}" sibTransId="{4E8BD715-7775-4A9B-B25C-5450C77DBD2F}"/>
     <dgm:cxn modelId="{B6C7038D-CA49-4C33-8DCC-1497F8639E62}" type="presOf" srcId="{CA24A74E-EBE1-4EB1-B3AF-3F861594831C}" destId="{C8BB460A-3BA5-4D2F-8E6E-05B5F9184B1C}" srcOrd="0" destOrd="0" presId="urn:microsoft.com/office/officeart/2005/8/layout/lProcess3"/>
     <dgm:cxn modelId="{C4F9CCF2-16B4-4709-B49A-0A9A4072DDC3}" srcId="{2F051AF5-6697-4478-BC15-B1A168111E04}" destId="{6982B098-FE82-4590-9D19-71CC98C721AA}" srcOrd="0" destOrd="0" parTransId="{26C5C75D-F942-4BBD-B801-3398E67319F3}" sibTransId="{B509A87A-9240-476F-8771-4255852C45C6}"/>
+    <dgm:cxn modelId="{126F15D0-9A64-4A84-B94F-4A5404BDEED3}" type="presOf" srcId="{57110952-ECF9-4329-93C7-299C2855BF8A}" destId="{F9E73588-CFBC-473C-98F3-3E6114A98896}" srcOrd="0" destOrd="0" presId="urn:microsoft.com/office/officeart/2005/8/layout/lProcess3"/>
     <dgm:cxn modelId="{9EED759C-D525-4AB1-A0E3-24724EB32AA3}" type="presOf" srcId="{6982B098-FE82-4590-9D19-71CC98C721AA}" destId="{6FF147C8-F510-4581-8A20-3320CEAEDA01}" srcOrd="0" destOrd="0" presId="urn:microsoft.com/office/officeart/2005/8/layout/lProcess3"/>
-    <dgm:cxn modelId="{126F15D0-9A64-4A84-B94F-4A5404BDEED3}" type="presOf" srcId="{57110952-ECF9-4329-93C7-299C2855BF8A}" destId="{F9E73588-CFBC-473C-98F3-3E6114A98896}" srcOrd="0" destOrd="0" presId="urn:microsoft.com/office/officeart/2005/8/layout/lProcess3"/>
     <dgm:cxn modelId="{9E0CD938-F39D-4618-A1DE-D88BAF36FEB4}" type="presOf" srcId="{5465999C-36D0-406D-B420-03339856B72E}" destId="{12CABFBA-2600-4C2F-91EA-A603CEB7FFE4}" srcOrd="0" destOrd="0" presId="urn:microsoft.com/office/officeart/2005/8/layout/lProcess3"/>
     <dgm:cxn modelId="{40336ADA-3BEC-4209-9FC1-2A3CD354BBDF}" type="presOf" srcId="{7CBFA96F-66D7-4F33-921E-282ABD11FF10}" destId="{DACE7244-69C2-4BEC-B512-AB9449BD9A34}" srcOrd="0" destOrd="0" presId="urn:microsoft.com/office/officeart/2005/8/layout/lProcess3"/>
     <dgm:cxn modelId="{84C177DD-AD67-4711-9620-129F1A6BB1C2}" type="presParOf" srcId="{12CABFBA-2600-4C2F-91EA-A603CEB7FFE4}" destId="{33E1403A-109F-4CA5-BDA8-3B522BF5DC16}" srcOrd="0" destOrd="0" presId="urn:microsoft.com/office/officeart/2005/8/layout/lProcess3"/>
@@ -6513,567 +6513,6 @@
       <dsp:cNvGrpSpPr/>
     </dsp:nvGrpSpPr>
     <dsp:grpSpPr/>
-    <dsp:sp modelId="{3443BB6A-3332-4EAB-A6C3-C3B7FD6EDD74}">
-      <dsp:nvSpPr>
-        <dsp:cNvPr id="0" name=""/>
-        <dsp:cNvSpPr/>
-      </dsp:nvSpPr>
-      <dsp:spPr>
-        <a:xfrm>
-          <a:off x="387190" y="977618"/>
-          <a:ext cx="243700" cy="464368"/>
-        </a:xfrm>
-        <a:custGeom>
-          <a:avLst/>
-          <a:gdLst/>
-          <a:ahLst/>
-          <a:cxnLst/>
-          <a:rect l="0" t="0" r="0" b="0"/>
-          <a:pathLst>
-            <a:path>
-              <a:moveTo>
-                <a:pt x="0" y="0"/>
-              </a:moveTo>
-              <a:lnTo>
-                <a:pt x="121850" y="0"/>
-              </a:lnTo>
-              <a:lnTo>
-                <a:pt x="121850" y="464368"/>
-              </a:lnTo>
-              <a:lnTo>
-                <a:pt x="243700" y="464368"/>
-              </a:lnTo>
-            </a:path>
-          </a:pathLst>
-        </a:custGeom>
-        <a:noFill/>
-        <a:ln w="25400" cap="flat" cmpd="sng" algn="ctr">
-          <a:solidFill>
-            <a:schemeClr val="accent4">
-              <a:tint val="90000"/>
-              <a:hueOff val="0"/>
-              <a:satOff val="0"/>
-              <a:lumOff val="0"/>
-              <a:alphaOff val="0"/>
-            </a:schemeClr>
-          </a:solidFill>
-          <a:prstDash val="solid"/>
-        </a:ln>
-        <a:effectLst/>
-      </dsp:spPr>
-      <dsp:style>
-        <a:lnRef idx="2">
-          <a:scrgbClr r="0" g="0" b="0"/>
-        </a:lnRef>
-        <a:fillRef idx="0">
-          <a:scrgbClr r="0" g="0" b="0"/>
-        </a:fillRef>
-        <a:effectRef idx="0">
-          <a:scrgbClr r="0" g="0" b="0"/>
-        </a:effectRef>
-        <a:fontRef idx="minor"/>
-      </dsp:style>
-      <dsp:txBody>
-        <a:bodyPr spcFirstLastPara="0" vert="horz" wrap="square" lIns="12700" tIns="0" rIns="12700" bIns="0" numCol="1" spcCol="1270" anchor="ctr" anchorCtr="0">
-          <a:noAutofit/>
-        </a:bodyPr>
-        <a:lstStyle/>
-        <a:p>
-          <a:pPr lvl="0" algn="ctr" defTabSz="222250">
-            <a:lnSpc>
-              <a:spcPct val="90000"/>
-            </a:lnSpc>
-            <a:spcBef>
-              <a:spcPct val="0"/>
-            </a:spcBef>
-            <a:spcAft>
-              <a:spcPct val="35000"/>
-            </a:spcAft>
-          </a:pPr>
-          <a:endParaRPr lang="en-US" sz="500" kern="1200"/>
-        </a:p>
-      </dsp:txBody>
-      <dsp:txXfrm>
-        <a:off x="495930" y="1196692"/>
-        <a:ext cx="26221" cy="26221"/>
-      </dsp:txXfrm>
-    </dsp:sp>
-    <dsp:sp modelId="{9EF81B97-C6C2-401F-B9E8-88A4E7D01AFB}">
-      <dsp:nvSpPr>
-        <dsp:cNvPr id="0" name=""/>
-        <dsp:cNvSpPr/>
-      </dsp:nvSpPr>
-      <dsp:spPr>
-        <a:xfrm>
-          <a:off x="387190" y="931898"/>
-          <a:ext cx="243700" cy="91440"/>
-        </a:xfrm>
-        <a:custGeom>
-          <a:avLst/>
-          <a:gdLst/>
-          <a:ahLst/>
-          <a:cxnLst/>
-          <a:rect l="0" t="0" r="0" b="0"/>
-          <a:pathLst>
-            <a:path>
-              <a:moveTo>
-                <a:pt x="0" y="45720"/>
-              </a:moveTo>
-              <a:lnTo>
-                <a:pt x="243700" y="45720"/>
-              </a:lnTo>
-            </a:path>
-          </a:pathLst>
-        </a:custGeom>
-        <a:noFill/>
-        <a:ln w="25400" cap="flat" cmpd="sng" algn="ctr">
-          <a:solidFill>
-            <a:schemeClr val="accent4">
-              <a:tint val="90000"/>
-              <a:hueOff val="0"/>
-              <a:satOff val="0"/>
-              <a:lumOff val="0"/>
-              <a:alphaOff val="0"/>
-            </a:schemeClr>
-          </a:solidFill>
-          <a:prstDash val="solid"/>
-        </a:ln>
-        <a:effectLst/>
-      </dsp:spPr>
-      <dsp:style>
-        <a:lnRef idx="2">
-          <a:scrgbClr r="0" g="0" b="0"/>
-        </a:lnRef>
-        <a:fillRef idx="0">
-          <a:scrgbClr r="0" g="0" b="0"/>
-        </a:fillRef>
-        <a:effectRef idx="0">
-          <a:scrgbClr r="0" g="0" b="0"/>
-        </a:effectRef>
-        <a:fontRef idx="minor"/>
-      </dsp:style>
-      <dsp:txBody>
-        <a:bodyPr spcFirstLastPara="0" vert="horz" wrap="square" lIns="12700" tIns="0" rIns="12700" bIns="0" numCol="1" spcCol="1270" anchor="ctr" anchorCtr="0">
-          <a:noAutofit/>
-        </a:bodyPr>
-        <a:lstStyle/>
-        <a:p>
-          <a:pPr lvl="0" algn="ctr" defTabSz="222250">
-            <a:lnSpc>
-              <a:spcPct val="90000"/>
-            </a:lnSpc>
-            <a:spcBef>
-              <a:spcPct val="0"/>
-            </a:spcBef>
-            <a:spcAft>
-              <a:spcPct val="35000"/>
-            </a:spcAft>
-          </a:pPr>
-          <a:endParaRPr lang="en-US" sz="500" kern="1200"/>
-        </a:p>
-      </dsp:txBody>
-      <dsp:txXfrm>
-        <a:off x="502948" y="971525"/>
-        <a:ext cx="12185" cy="12185"/>
-      </dsp:txXfrm>
-    </dsp:sp>
-    <dsp:sp modelId="{7A95CE35-D224-486F-AA43-FC4B37BFD247}">
-      <dsp:nvSpPr>
-        <dsp:cNvPr id="0" name=""/>
-        <dsp:cNvSpPr/>
-      </dsp:nvSpPr>
-      <dsp:spPr>
-        <a:xfrm>
-          <a:off x="387190" y="513249"/>
-          <a:ext cx="243700" cy="464368"/>
-        </a:xfrm>
-        <a:custGeom>
-          <a:avLst/>
-          <a:gdLst/>
-          <a:ahLst/>
-          <a:cxnLst/>
-          <a:rect l="0" t="0" r="0" b="0"/>
-          <a:pathLst>
-            <a:path>
-              <a:moveTo>
-                <a:pt x="0" y="464368"/>
-              </a:moveTo>
-              <a:lnTo>
-                <a:pt x="121850" y="464368"/>
-              </a:lnTo>
-              <a:lnTo>
-                <a:pt x="121850" y="0"/>
-              </a:lnTo>
-              <a:lnTo>
-                <a:pt x="243700" y="0"/>
-              </a:lnTo>
-            </a:path>
-          </a:pathLst>
-        </a:custGeom>
-        <a:noFill/>
-        <a:ln w="25400" cap="flat" cmpd="sng" algn="ctr">
-          <a:solidFill>
-            <a:schemeClr val="accent4">
-              <a:tint val="90000"/>
-              <a:hueOff val="0"/>
-              <a:satOff val="0"/>
-              <a:lumOff val="0"/>
-              <a:alphaOff val="0"/>
-            </a:schemeClr>
-          </a:solidFill>
-          <a:prstDash val="solid"/>
-        </a:ln>
-        <a:effectLst/>
-      </dsp:spPr>
-      <dsp:style>
-        <a:lnRef idx="2">
-          <a:scrgbClr r="0" g="0" b="0"/>
-        </a:lnRef>
-        <a:fillRef idx="0">
-          <a:scrgbClr r="0" g="0" b="0"/>
-        </a:fillRef>
-        <a:effectRef idx="0">
-          <a:scrgbClr r="0" g="0" b="0"/>
-        </a:effectRef>
-        <a:fontRef idx="minor"/>
-      </dsp:style>
-      <dsp:txBody>
-        <a:bodyPr spcFirstLastPara="0" vert="horz" wrap="square" lIns="12700" tIns="0" rIns="12700" bIns="0" numCol="1" spcCol="1270" anchor="ctr" anchorCtr="0">
-          <a:noAutofit/>
-        </a:bodyPr>
-        <a:lstStyle/>
-        <a:p>
-          <a:pPr lvl="0" algn="ctr" defTabSz="222250">
-            <a:lnSpc>
-              <a:spcPct val="90000"/>
-            </a:lnSpc>
-            <a:spcBef>
-              <a:spcPct val="0"/>
-            </a:spcBef>
-            <a:spcAft>
-              <a:spcPct val="35000"/>
-            </a:spcAft>
-          </a:pPr>
-          <a:endParaRPr lang="en-US" sz="500" kern="1200"/>
-        </a:p>
-      </dsp:txBody>
-      <dsp:txXfrm>
-        <a:off x="495930" y="732323"/>
-        <a:ext cx="26221" cy="26221"/>
-      </dsp:txXfrm>
-    </dsp:sp>
-    <dsp:sp modelId="{5B13457D-1960-4723-8027-B5BB0C13C3E4}">
-      <dsp:nvSpPr>
-        <dsp:cNvPr id="0" name=""/>
-        <dsp:cNvSpPr/>
-      </dsp:nvSpPr>
-      <dsp:spPr>
-        <a:xfrm rot="16200000">
-          <a:off x="-776175" y="791870"/>
-          <a:ext cx="1955237" cy="371495"/>
-        </a:xfrm>
-        <a:prstGeom prst="rect">
-          <a:avLst/>
-        </a:prstGeom>
-        <a:solidFill>
-          <a:schemeClr val="accent4">
-            <a:alpha val="80000"/>
-            <a:hueOff val="0"/>
-            <a:satOff val="0"/>
-            <a:lumOff val="0"/>
-            <a:alphaOff val="0"/>
-          </a:schemeClr>
-        </a:solidFill>
-        <a:ln w="25400" cap="flat" cmpd="sng" algn="ctr">
-          <a:solidFill>
-            <a:schemeClr val="lt1">
-              <a:hueOff val="0"/>
-              <a:satOff val="0"/>
-              <a:lumOff val="0"/>
-              <a:alphaOff val="0"/>
-            </a:schemeClr>
-          </a:solidFill>
-          <a:prstDash val="solid"/>
-        </a:ln>
-        <a:effectLst/>
-      </dsp:spPr>
-      <dsp:style>
-        <a:lnRef idx="2">
-          <a:scrgbClr r="0" g="0" b="0"/>
-        </a:lnRef>
-        <a:fillRef idx="1">
-          <a:scrgbClr r="0" g="0" b="0"/>
-        </a:fillRef>
-        <a:effectRef idx="0">
-          <a:scrgbClr r="0" g="0" b="0"/>
-        </a:effectRef>
-        <a:fontRef idx="minor">
-          <a:schemeClr val="lt1"/>
-        </a:fontRef>
-      </dsp:style>
-      <dsp:txBody>
-        <a:bodyPr spcFirstLastPara="0" vert="horz" wrap="square" lIns="11430" tIns="11430" rIns="11430" bIns="11430" numCol="1" spcCol="1270" anchor="ctr" anchorCtr="0">
-          <a:noAutofit/>
-        </a:bodyPr>
-        <a:lstStyle/>
-        <a:p>
-          <a:pPr lvl="0" algn="ctr" defTabSz="800100">
-            <a:lnSpc>
-              <a:spcPct val="90000"/>
-            </a:lnSpc>
-            <a:spcBef>
-              <a:spcPct val="0"/>
-            </a:spcBef>
-            <a:spcAft>
-              <a:spcPct val="35000"/>
-            </a:spcAft>
-          </a:pPr>
-          <a:r>
-            <a:rPr lang="en-US" sz="1800" kern="1200" dirty="0" smtClean="0"/>
-            <a:t>Control tasks by</a:t>
-          </a:r>
-          <a:endParaRPr lang="en-US" sz="1800" kern="1200" dirty="0"/>
-        </a:p>
-      </dsp:txBody>
-      <dsp:txXfrm>
-        <a:off x="-776175" y="791870"/>
-        <a:ext cx="1955237" cy="371495"/>
-      </dsp:txXfrm>
-    </dsp:sp>
-    <dsp:sp modelId="{44A16815-E8A6-4841-AB79-02BF2A85F7C5}">
-      <dsp:nvSpPr>
-        <dsp:cNvPr id="0" name=""/>
-        <dsp:cNvSpPr/>
-      </dsp:nvSpPr>
-      <dsp:spPr>
-        <a:xfrm>
-          <a:off x="630891" y="327502"/>
-          <a:ext cx="1218503" cy="371495"/>
-        </a:xfrm>
-        <a:prstGeom prst="rect">
-          <a:avLst/>
-        </a:prstGeom>
-        <a:solidFill>
-          <a:schemeClr val="accent4">
-            <a:alpha val="70000"/>
-            <a:hueOff val="0"/>
-            <a:satOff val="0"/>
-            <a:lumOff val="0"/>
-            <a:alphaOff val="0"/>
-          </a:schemeClr>
-        </a:solidFill>
-        <a:ln w="25400" cap="flat" cmpd="sng" algn="ctr">
-          <a:solidFill>
-            <a:schemeClr val="lt1">
-              <a:hueOff val="0"/>
-              <a:satOff val="0"/>
-              <a:lumOff val="0"/>
-              <a:alphaOff val="0"/>
-            </a:schemeClr>
-          </a:solidFill>
-          <a:prstDash val="solid"/>
-        </a:ln>
-        <a:effectLst/>
-      </dsp:spPr>
-      <dsp:style>
-        <a:lnRef idx="2">
-          <a:scrgbClr r="0" g="0" b="0"/>
-        </a:lnRef>
-        <a:fillRef idx="1">
-          <a:scrgbClr r="0" g="0" b="0"/>
-        </a:fillRef>
-        <a:effectRef idx="0">
-          <a:scrgbClr r="0" g="0" b="0"/>
-        </a:effectRef>
-        <a:fontRef idx="minor">
-          <a:schemeClr val="lt1"/>
-        </a:fontRef>
-      </dsp:style>
-      <dsp:txBody>
-        <a:bodyPr spcFirstLastPara="0" vert="horz" wrap="square" lIns="15875" tIns="15875" rIns="15875" bIns="15875" numCol="1" spcCol="1270" anchor="ctr" anchorCtr="0">
-          <a:noAutofit/>
-        </a:bodyPr>
-        <a:lstStyle/>
-        <a:p>
-          <a:pPr lvl="0" algn="ctr" defTabSz="1111250">
-            <a:lnSpc>
-              <a:spcPct val="90000"/>
-            </a:lnSpc>
-            <a:spcBef>
-              <a:spcPct val="0"/>
-            </a:spcBef>
-            <a:spcAft>
-              <a:spcPct val="35000"/>
-            </a:spcAft>
-          </a:pPr>
-          <a:r>
-            <a:rPr lang="en-US" sz="2500" kern="1200" dirty="0" smtClean="0"/>
-            <a:t>Eye</a:t>
-          </a:r>
-          <a:endParaRPr lang="en-US" sz="2500" kern="1200" dirty="0"/>
-        </a:p>
-      </dsp:txBody>
-      <dsp:txXfrm>
-        <a:off x="630891" y="327502"/>
-        <a:ext cx="1218503" cy="371495"/>
-      </dsp:txXfrm>
-    </dsp:sp>
-    <dsp:sp modelId="{7340957D-B165-4B03-8D2D-81FA4B6CFE8F}">
-      <dsp:nvSpPr>
-        <dsp:cNvPr id="0" name=""/>
-        <dsp:cNvSpPr/>
-      </dsp:nvSpPr>
-      <dsp:spPr>
-        <a:xfrm>
-          <a:off x="630891" y="791870"/>
-          <a:ext cx="1218503" cy="371495"/>
-        </a:xfrm>
-        <a:prstGeom prst="rect">
-          <a:avLst/>
-        </a:prstGeom>
-        <a:solidFill>
-          <a:schemeClr val="accent4">
-            <a:alpha val="70000"/>
-            <a:hueOff val="0"/>
-            <a:satOff val="0"/>
-            <a:lumOff val="0"/>
-            <a:alphaOff val="0"/>
-          </a:schemeClr>
-        </a:solidFill>
-        <a:ln w="25400" cap="flat" cmpd="sng" algn="ctr">
-          <a:solidFill>
-            <a:schemeClr val="lt1">
-              <a:hueOff val="0"/>
-              <a:satOff val="0"/>
-              <a:lumOff val="0"/>
-              <a:alphaOff val="0"/>
-            </a:schemeClr>
-          </a:solidFill>
-          <a:prstDash val="solid"/>
-        </a:ln>
-        <a:effectLst/>
-      </dsp:spPr>
-      <dsp:style>
-        <a:lnRef idx="2">
-          <a:scrgbClr r="0" g="0" b="0"/>
-        </a:lnRef>
-        <a:fillRef idx="1">
-          <a:scrgbClr r="0" g="0" b="0"/>
-        </a:fillRef>
-        <a:effectRef idx="0">
-          <a:scrgbClr r="0" g="0" b="0"/>
-        </a:effectRef>
-        <a:fontRef idx="minor">
-          <a:schemeClr val="lt1"/>
-        </a:fontRef>
-      </dsp:style>
-      <dsp:txBody>
-        <a:bodyPr spcFirstLastPara="0" vert="horz" wrap="square" lIns="15875" tIns="15875" rIns="15875" bIns="15875" numCol="1" spcCol="1270" anchor="ctr" anchorCtr="0">
-          <a:noAutofit/>
-        </a:bodyPr>
-        <a:lstStyle/>
-        <a:p>
-          <a:pPr lvl="0" algn="ctr" defTabSz="1111250">
-            <a:lnSpc>
-              <a:spcPct val="90000"/>
-            </a:lnSpc>
-            <a:spcBef>
-              <a:spcPct val="0"/>
-            </a:spcBef>
-            <a:spcAft>
-              <a:spcPct val="35000"/>
-            </a:spcAft>
-          </a:pPr>
-          <a:r>
-            <a:rPr lang="en-US" sz="2500" kern="1200" dirty="0" smtClean="0"/>
-            <a:t>Head</a:t>
-          </a:r>
-          <a:endParaRPr lang="en-US" sz="2500" kern="1200" dirty="0"/>
-        </a:p>
-      </dsp:txBody>
-      <dsp:txXfrm>
-        <a:off x="630891" y="791870"/>
-        <a:ext cx="1218503" cy="371495"/>
-      </dsp:txXfrm>
-    </dsp:sp>
-    <dsp:sp modelId="{8D3E3451-8C81-4239-82B0-594220BEB94A}">
-      <dsp:nvSpPr>
-        <dsp:cNvPr id="0" name=""/>
-        <dsp:cNvSpPr/>
-      </dsp:nvSpPr>
-      <dsp:spPr>
-        <a:xfrm>
-          <a:off x="630891" y="1256239"/>
-          <a:ext cx="1218503" cy="371495"/>
-        </a:xfrm>
-        <a:prstGeom prst="rect">
-          <a:avLst/>
-        </a:prstGeom>
-        <a:solidFill>
-          <a:schemeClr val="accent4">
-            <a:alpha val="70000"/>
-            <a:hueOff val="0"/>
-            <a:satOff val="0"/>
-            <a:lumOff val="0"/>
-            <a:alphaOff val="0"/>
-          </a:schemeClr>
-        </a:solidFill>
-        <a:ln w="25400" cap="flat" cmpd="sng" algn="ctr">
-          <a:solidFill>
-            <a:schemeClr val="lt1">
-              <a:hueOff val="0"/>
-              <a:satOff val="0"/>
-              <a:lumOff val="0"/>
-              <a:alphaOff val="0"/>
-            </a:schemeClr>
-          </a:solidFill>
-          <a:prstDash val="solid"/>
-        </a:ln>
-        <a:effectLst/>
-      </dsp:spPr>
-      <dsp:style>
-        <a:lnRef idx="2">
-          <a:scrgbClr r="0" g="0" b="0"/>
-        </a:lnRef>
-        <a:fillRef idx="1">
-          <a:scrgbClr r="0" g="0" b="0"/>
-        </a:fillRef>
-        <a:effectRef idx="0">
-          <a:scrgbClr r="0" g="0" b="0"/>
-        </a:effectRef>
-        <a:fontRef idx="minor">
-          <a:schemeClr val="lt1"/>
-        </a:fontRef>
-      </dsp:style>
-      <dsp:txBody>
-        <a:bodyPr spcFirstLastPara="0" vert="horz" wrap="square" lIns="15875" tIns="15875" rIns="15875" bIns="15875" numCol="1" spcCol="1270" anchor="ctr" anchorCtr="0">
-          <a:noAutofit/>
-        </a:bodyPr>
-        <a:lstStyle/>
-        <a:p>
-          <a:pPr lvl="0" algn="ctr" defTabSz="1111250">
-            <a:lnSpc>
-              <a:spcPct val="90000"/>
-            </a:lnSpc>
-            <a:spcBef>
-              <a:spcPct val="0"/>
-            </a:spcBef>
-            <a:spcAft>
-              <a:spcPct val="35000"/>
-            </a:spcAft>
-          </a:pPr>
-          <a:r>
-            <a:rPr lang="en-US" sz="2500" kern="1200" dirty="0" smtClean="0"/>
-            <a:t>Voice</a:t>
-          </a:r>
-          <a:endParaRPr lang="en-US" sz="2500" kern="1200" dirty="0"/>
-        </a:p>
-      </dsp:txBody>
-      <dsp:txXfrm>
-        <a:off x="630891" y="1256239"/>
-        <a:ext cx="1218503" cy="371495"/>
-      </dsp:txXfrm>
-    </dsp:sp>
   </dsp:spTree>
 </dsp:drawing>
 </file>
@@ -7086,474 +6525,6 @@
       <dsp:cNvGrpSpPr/>
     </dsp:nvGrpSpPr>
     <dsp:grpSpPr/>
-    <dsp:sp modelId="{2E48D016-F559-4328-B945-F71E38FFF77C}">
-      <dsp:nvSpPr>
-        <dsp:cNvPr id="0" name=""/>
-        <dsp:cNvSpPr/>
-      </dsp:nvSpPr>
-      <dsp:spPr>
-        <a:xfrm>
-          <a:off x="843" y="228033"/>
-          <a:ext cx="1692430" cy="676972"/>
-        </a:xfrm>
-        <a:prstGeom prst="chevron">
-          <a:avLst/>
-        </a:prstGeom>
-        <a:solidFill>
-          <a:schemeClr val="accent1">
-            <a:hueOff val="0"/>
-            <a:satOff val="0"/>
-            <a:lumOff val="0"/>
-            <a:alphaOff val="0"/>
-          </a:schemeClr>
-        </a:solidFill>
-        <a:ln w="25400" cap="flat" cmpd="sng" algn="ctr">
-          <a:solidFill>
-            <a:schemeClr val="lt1">
-              <a:hueOff val="0"/>
-              <a:satOff val="0"/>
-              <a:lumOff val="0"/>
-              <a:alphaOff val="0"/>
-            </a:schemeClr>
-          </a:solidFill>
-          <a:prstDash val="solid"/>
-        </a:ln>
-        <a:effectLst/>
-      </dsp:spPr>
-      <dsp:style>
-        <a:lnRef idx="2">
-          <a:scrgbClr r="0" g="0" b="0"/>
-        </a:lnRef>
-        <a:fillRef idx="1">
-          <a:scrgbClr r="0" g="0" b="0"/>
-        </a:fillRef>
-        <a:effectRef idx="0">
-          <a:scrgbClr r="0" g="0" b="0"/>
-        </a:effectRef>
-        <a:fontRef idx="minor">
-          <a:schemeClr val="lt1"/>
-        </a:fontRef>
-      </dsp:style>
-      <dsp:txBody>
-        <a:bodyPr spcFirstLastPara="0" vert="horz" wrap="square" lIns="30480" tIns="15240" rIns="0" bIns="15240" numCol="1" spcCol="1270" anchor="ctr" anchorCtr="0">
-          <a:noAutofit/>
-        </a:bodyPr>
-        <a:lstStyle/>
-        <a:p>
-          <a:pPr lvl="0" algn="ctr" defTabSz="1066800">
-            <a:lnSpc>
-              <a:spcPct val="90000"/>
-            </a:lnSpc>
-            <a:spcBef>
-              <a:spcPct val="0"/>
-            </a:spcBef>
-            <a:spcAft>
-              <a:spcPct val="35000"/>
-            </a:spcAft>
-          </a:pPr>
-          <a:r>
-            <a:rPr lang="en-US" sz="2400" kern="1200" dirty="0" smtClean="0"/>
-            <a:t>Blink right</a:t>
-          </a:r>
-          <a:endParaRPr lang="en-US" sz="2400" kern="1200" dirty="0"/>
-        </a:p>
-      </dsp:txBody>
-      <dsp:txXfrm>
-        <a:off x="339329" y="228033"/>
-        <a:ext cx="1015458" cy="676972"/>
-      </dsp:txXfrm>
-    </dsp:sp>
-    <dsp:sp modelId="{6FF147C8-F510-4581-8A20-3320CEAEDA01}">
-      <dsp:nvSpPr>
-        <dsp:cNvPr id="0" name=""/>
-        <dsp:cNvSpPr/>
-      </dsp:nvSpPr>
-      <dsp:spPr>
-        <a:xfrm>
-          <a:off x="1473257" y="285576"/>
-          <a:ext cx="1404716" cy="561886"/>
-        </a:xfrm>
-        <a:prstGeom prst="chevron">
-          <a:avLst/>
-        </a:prstGeom>
-        <a:solidFill>
-          <a:schemeClr val="accent1">
-            <a:alpha val="90000"/>
-            <a:tint val="40000"/>
-            <a:hueOff val="0"/>
-            <a:satOff val="0"/>
-            <a:lumOff val="0"/>
-            <a:alphaOff val="0"/>
-          </a:schemeClr>
-        </a:solidFill>
-        <a:ln w="25400" cap="flat" cmpd="sng" algn="ctr">
-          <a:solidFill>
-            <a:schemeClr val="accent1">
-              <a:alpha val="90000"/>
-              <a:tint val="40000"/>
-              <a:hueOff val="0"/>
-              <a:satOff val="0"/>
-              <a:lumOff val="0"/>
-              <a:alphaOff val="0"/>
-            </a:schemeClr>
-          </a:solidFill>
-          <a:prstDash val="solid"/>
-        </a:ln>
-        <a:effectLst/>
-      </dsp:spPr>
-      <dsp:style>
-        <a:lnRef idx="2">
-          <a:scrgbClr r="0" g="0" b="0"/>
-        </a:lnRef>
-        <a:fillRef idx="1">
-          <a:scrgbClr r="0" g="0" b="0"/>
-        </a:fillRef>
-        <a:effectRef idx="0">
-          <a:scrgbClr r="0" g="0" b="0"/>
-        </a:effectRef>
-        <a:fontRef idx="minor"/>
-      </dsp:style>
-      <dsp:txBody>
-        <a:bodyPr spcFirstLastPara="0" vert="horz" wrap="square" lIns="16510" tIns="8255" rIns="0" bIns="8255" numCol="1" spcCol="1270" anchor="ctr" anchorCtr="0">
-          <a:noAutofit/>
-        </a:bodyPr>
-        <a:lstStyle/>
-        <a:p>
-          <a:pPr lvl="0" algn="ctr" defTabSz="577850">
-            <a:lnSpc>
-              <a:spcPct val="90000"/>
-            </a:lnSpc>
-            <a:spcBef>
-              <a:spcPct val="0"/>
-            </a:spcBef>
-            <a:spcAft>
-              <a:spcPct val="35000"/>
-            </a:spcAft>
-          </a:pPr>
-          <a:r>
-            <a:rPr lang="en-US" sz="1300" kern="1200" dirty="0" smtClean="0"/>
-            <a:t>Move selection right</a:t>
-          </a:r>
-          <a:endParaRPr lang="en-US" sz="1300" kern="1200" dirty="0"/>
-        </a:p>
-      </dsp:txBody>
-      <dsp:txXfrm>
-        <a:off x="1754200" y="285576"/>
-        <a:ext cx="842830" cy="561886"/>
-      </dsp:txXfrm>
-    </dsp:sp>
-    <dsp:sp modelId="{D51F0D94-0DD5-4323-9461-7821F4E16521}">
-      <dsp:nvSpPr>
-        <dsp:cNvPr id="0" name=""/>
-        <dsp:cNvSpPr/>
-      </dsp:nvSpPr>
-      <dsp:spPr>
-        <a:xfrm>
-          <a:off x="843" y="999781"/>
-          <a:ext cx="1692430" cy="676972"/>
-        </a:xfrm>
-        <a:prstGeom prst="chevron">
-          <a:avLst/>
-        </a:prstGeom>
-        <a:solidFill>
-          <a:schemeClr val="accent1">
-            <a:hueOff val="0"/>
-            <a:satOff val="0"/>
-            <a:lumOff val="0"/>
-            <a:alphaOff val="0"/>
-          </a:schemeClr>
-        </a:solidFill>
-        <a:ln w="25400" cap="flat" cmpd="sng" algn="ctr">
-          <a:solidFill>
-            <a:schemeClr val="lt1">
-              <a:hueOff val="0"/>
-              <a:satOff val="0"/>
-              <a:lumOff val="0"/>
-              <a:alphaOff val="0"/>
-            </a:schemeClr>
-          </a:solidFill>
-          <a:prstDash val="solid"/>
-        </a:ln>
-        <a:effectLst/>
-      </dsp:spPr>
-      <dsp:style>
-        <a:lnRef idx="2">
-          <a:scrgbClr r="0" g="0" b="0"/>
-        </a:lnRef>
-        <a:fillRef idx="1">
-          <a:scrgbClr r="0" g="0" b="0"/>
-        </a:fillRef>
-        <a:effectRef idx="0">
-          <a:scrgbClr r="0" g="0" b="0"/>
-        </a:effectRef>
-        <a:fontRef idx="minor">
-          <a:schemeClr val="lt1"/>
-        </a:fontRef>
-      </dsp:style>
-      <dsp:txBody>
-        <a:bodyPr spcFirstLastPara="0" vert="horz" wrap="square" lIns="30480" tIns="15240" rIns="0" bIns="15240" numCol="1" spcCol="1270" anchor="ctr" anchorCtr="0">
-          <a:noAutofit/>
-        </a:bodyPr>
-        <a:lstStyle/>
-        <a:p>
-          <a:pPr lvl="0" algn="ctr" defTabSz="1066800">
-            <a:lnSpc>
-              <a:spcPct val="90000"/>
-            </a:lnSpc>
-            <a:spcBef>
-              <a:spcPct val="0"/>
-            </a:spcBef>
-            <a:spcAft>
-              <a:spcPct val="35000"/>
-            </a:spcAft>
-          </a:pPr>
-          <a:r>
-            <a:rPr lang="en-US" sz="2400" kern="1200" dirty="0" smtClean="0"/>
-            <a:t>Blink left</a:t>
-          </a:r>
-          <a:endParaRPr lang="en-US" sz="2400" kern="1200" dirty="0"/>
-        </a:p>
-      </dsp:txBody>
-      <dsp:txXfrm>
-        <a:off x="339329" y="999781"/>
-        <a:ext cx="1015458" cy="676972"/>
-      </dsp:txXfrm>
-    </dsp:sp>
-    <dsp:sp modelId="{EF739CB9-A874-426E-ABFB-C17CB1D11AE9}">
-      <dsp:nvSpPr>
-        <dsp:cNvPr id="0" name=""/>
-        <dsp:cNvSpPr/>
-      </dsp:nvSpPr>
-      <dsp:spPr>
-        <a:xfrm>
-          <a:off x="1473257" y="1057324"/>
-          <a:ext cx="1404716" cy="561886"/>
-        </a:xfrm>
-        <a:prstGeom prst="chevron">
-          <a:avLst/>
-        </a:prstGeom>
-        <a:solidFill>
-          <a:schemeClr val="accent1">
-            <a:alpha val="90000"/>
-            <a:tint val="40000"/>
-            <a:hueOff val="0"/>
-            <a:satOff val="0"/>
-            <a:lumOff val="0"/>
-            <a:alphaOff val="0"/>
-          </a:schemeClr>
-        </a:solidFill>
-        <a:ln w="25400" cap="flat" cmpd="sng" algn="ctr">
-          <a:solidFill>
-            <a:schemeClr val="accent1">
-              <a:alpha val="90000"/>
-              <a:tint val="40000"/>
-              <a:hueOff val="0"/>
-              <a:satOff val="0"/>
-              <a:lumOff val="0"/>
-              <a:alphaOff val="0"/>
-            </a:schemeClr>
-          </a:solidFill>
-          <a:prstDash val="solid"/>
-        </a:ln>
-        <a:effectLst/>
-      </dsp:spPr>
-      <dsp:style>
-        <a:lnRef idx="2">
-          <a:scrgbClr r="0" g="0" b="0"/>
-        </a:lnRef>
-        <a:fillRef idx="1">
-          <a:scrgbClr r="0" g="0" b="0"/>
-        </a:fillRef>
-        <a:effectRef idx="0">
-          <a:scrgbClr r="0" g="0" b="0"/>
-        </a:effectRef>
-        <a:fontRef idx="minor"/>
-      </dsp:style>
-      <dsp:txBody>
-        <a:bodyPr spcFirstLastPara="0" vert="horz" wrap="square" lIns="16510" tIns="8255" rIns="0" bIns="8255" numCol="1" spcCol="1270" anchor="ctr" anchorCtr="0">
-          <a:noAutofit/>
-        </a:bodyPr>
-        <a:lstStyle/>
-        <a:p>
-          <a:pPr lvl="0" algn="ctr" defTabSz="577850">
-            <a:lnSpc>
-              <a:spcPct val="90000"/>
-            </a:lnSpc>
-            <a:spcBef>
-              <a:spcPct val="0"/>
-            </a:spcBef>
-            <a:spcAft>
-              <a:spcPct val="35000"/>
-            </a:spcAft>
-          </a:pPr>
-          <a:r>
-            <a:rPr lang="en-US" sz="1300" kern="1200" dirty="0" smtClean="0"/>
-            <a:t>Move selection left</a:t>
-          </a:r>
-          <a:endParaRPr lang="en-US" sz="1300" kern="1200" dirty="0"/>
-        </a:p>
-      </dsp:txBody>
-      <dsp:txXfrm>
-        <a:off x="1754200" y="1057324"/>
-        <a:ext cx="842830" cy="561886"/>
-      </dsp:txXfrm>
-    </dsp:sp>
-    <dsp:sp modelId="{EC3F710C-7A2E-45A7-B6BD-47E7A1E7F565}">
-      <dsp:nvSpPr>
-        <dsp:cNvPr id="0" name=""/>
-        <dsp:cNvSpPr/>
-      </dsp:nvSpPr>
-      <dsp:spPr>
-        <a:xfrm>
-          <a:off x="843" y="1771530"/>
-          <a:ext cx="1692430" cy="676972"/>
-        </a:xfrm>
-        <a:prstGeom prst="chevron">
-          <a:avLst/>
-        </a:prstGeom>
-        <a:solidFill>
-          <a:schemeClr val="accent1">
-            <a:hueOff val="0"/>
-            <a:satOff val="0"/>
-            <a:lumOff val="0"/>
-            <a:alphaOff val="0"/>
-          </a:schemeClr>
-        </a:solidFill>
-        <a:ln w="25400" cap="flat" cmpd="sng" algn="ctr">
-          <a:solidFill>
-            <a:schemeClr val="lt1">
-              <a:hueOff val="0"/>
-              <a:satOff val="0"/>
-              <a:lumOff val="0"/>
-              <a:alphaOff val="0"/>
-            </a:schemeClr>
-          </a:solidFill>
-          <a:prstDash val="solid"/>
-        </a:ln>
-        <a:effectLst/>
-      </dsp:spPr>
-      <dsp:style>
-        <a:lnRef idx="2">
-          <a:scrgbClr r="0" g="0" b="0"/>
-        </a:lnRef>
-        <a:fillRef idx="1">
-          <a:scrgbClr r="0" g="0" b="0"/>
-        </a:fillRef>
-        <a:effectRef idx="0">
-          <a:scrgbClr r="0" g="0" b="0"/>
-        </a:effectRef>
-        <a:fontRef idx="minor">
-          <a:schemeClr val="lt1"/>
-        </a:fontRef>
-      </dsp:style>
-      <dsp:txBody>
-        <a:bodyPr spcFirstLastPara="0" vert="horz" wrap="square" lIns="30480" tIns="15240" rIns="0" bIns="15240" numCol="1" spcCol="1270" anchor="ctr" anchorCtr="0">
-          <a:noAutofit/>
-        </a:bodyPr>
-        <a:lstStyle/>
-        <a:p>
-          <a:pPr lvl="0" algn="ctr" defTabSz="1066800">
-            <a:lnSpc>
-              <a:spcPct val="90000"/>
-            </a:lnSpc>
-            <a:spcBef>
-              <a:spcPct val="0"/>
-            </a:spcBef>
-            <a:spcAft>
-              <a:spcPct val="35000"/>
-            </a:spcAft>
-          </a:pPr>
-          <a:r>
-            <a:rPr lang="en-US" sz="2400" kern="1200" dirty="0" smtClean="0"/>
-            <a:t>Blink both</a:t>
-          </a:r>
-          <a:endParaRPr lang="en-US" sz="2400" kern="1200" dirty="0"/>
-        </a:p>
-      </dsp:txBody>
-      <dsp:txXfrm>
-        <a:off x="339329" y="1771530"/>
-        <a:ext cx="1015458" cy="676972"/>
-      </dsp:txXfrm>
-    </dsp:sp>
-    <dsp:sp modelId="{C8BB460A-3BA5-4D2F-8E6E-05B5F9184B1C}">
-      <dsp:nvSpPr>
-        <dsp:cNvPr id="0" name=""/>
-        <dsp:cNvSpPr/>
-      </dsp:nvSpPr>
-      <dsp:spPr>
-        <a:xfrm>
-          <a:off x="1473257" y="1829072"/>
-          <a:ext cx="1404716" cy="561886"/>
-        </a:xfrm>
-        <a:prstGeom prst="chevron">
-          <a:avLst/>
-        </a:prstGeom>
-        <a:solidFill>
-          <a:schemeClr val="accent1">
-            <a:alpha val="90000"/>
-            <a:tint val="40000"/>
-            <a:hueOff val="0"/>
-            <a:satOff val="0"/>
-            <a:lumOff val="0"/>
-            <a:alphaOff val="0"/>
-          </a:schemeClr>
-        </a:solidFill>
-        <a:ln w="25400" cap="flat" cmpd="sng" algn="ctr">
-          <a:solidFill>
-            <a:schemeClr val="accent1">
-              <a:alpha val="90000"/>
-              <a:tint val="40000"/>
-              <a:hueOff val="0"/>
-              <a:satOff val="0"/>
-              <a:lumOff val="0"/>
-              <a:alphaOff val="0"/>
-            </a:schemeClr>
-          </a:solidFill>
-          <a:prstDash val="solid"/>
-        </a:ln>
-        <a:effectLst/>
-      </dsp:spPr>
-      <dsp:style>
-        <a:lnRef idx="2">
-          <a:scrgbClr r="0" g="0" b="0"/>
-        </a:lnRef>
-        <a:fillRef idx="1">
-          <a:scrgbClr r="0" g="0" b="0"/>
-        </a:fillRef>
-        <a:effectRef idx="0">
-          <a:scrgbClr r="0" g="0" b="0"/>
-        </a:effectRef>
-        <a:fontRef idx="minor"/>
-      </dsp:style>
-      <dsp:txBody>
-        <a:bodyPr spcFirstLastPara="0" vert="horz" wrap="square" lIns="16510" tIns="8255" rIns="0" bIns="8255" numCol="1" spcCol="1270" anchor="ctr" anchorCtr="0">
-          <a:noAutofit/>
-        </a:bodyPr>
-        <a:lstStyle/>
-        <a:p>
-          <a:pPr lvl="0" algn="ctr" defTabSz="577850">
-            <a:lnSpc>
-              <a:spcPct val="90000"/>
-            </a:lnSpc>
-            <a:spcBef>
-              <a:spcPct val="0"/>
-            </a:spcBef>
-            <a:spcAft>
-              <a:spcPct val="35000"/>
-            </a:spcAft>
-          </a:pPr>
-          <a:r>
-            <a:rPr lang="en-US" sz="1300" kern="1200" dirty="0" smtClean="0"/>
-            <a:t>Press selected menu</a:t>
-          </a:r>
-          <a:endParaRPr lang="en-US" sz="1300" kern="1200" dirty="0"/>
-        </a:p>
-      </dsp:txBody>
-      <dsp:txXfrm>
-        <a:off x="1754200" y="1829072"/>
-        <a:ext cx="842830" cy="561886"/>
-      </dsp:txXfrm>
-    </dsp:sp>
   </dsp:spTree>
 </dsp:drawing>
 </file>
@@ -7566,630 +6537,6 @@
       <dsp:cNvGrpSpPr/>
     </dsp:nvGrpSpPr>
     <dsp:grpSpPr/>
-    <dsp:sp modelId="{2E48D016-F559-4328-B945-F71E38FFF77C}">
-      <dsp:nvSpPr>
-        <dsp:cNvPr id="0" name=""/>
-        <dsp:cNvSpPr/>
-      </dsp:nvSpPr>
-      <dsp:spPr>
-        <a:xfrm>
-          <a:off x="264899" y="976"/>
-          <a:ext cx="1381776" cy="552710"/>
-        </a:xfrm>
-        <a:prstGeom prst="chevron">
-          <a:avLst/>
-        </a:prstGeom>
-        <a:solidFill>
-          <a:schemeClr val="accent1">
-            <a:hueOff val="0"/>
-            <a:satOff val="0"/>
-            <a:lumOff val="0"/>
-            <a:alphaOff val="0"/>
-          </a:schemeClr>
-        </a:solidFill>
-        <a:ln w="25400" cap="flat" cmpd="sng" algn="ctr">
-          <a:solidFill>
-            <a:schemeClr val="lt1">
-              <a:hueOff val="0"/>
-              <a:satOff val="0"/>
-              <a:lumOff val="0"/>
-              <a:alphaOff val="0"/>
-            </a:schemeClr>
-          </a:solidFill>
-          <a:prstDash val="solid"/>
-        </a:ln>
-        <a:effectLst/>
-      </dsp:spPr>
-      <dsp:style>
-        <a:lnRef idx="2">
-          <a:scrgbClr r="0" g="0" b="0"/>
-        </a:lnRef>
-        <a:fillRef idx="1">
-          <a:scrgbClr r="0" g="0" b="0"/>
-        </a:fillRef>
-        <a:effectRef idx="0">
-          <a:scrgbClr r="0" g="0" b="0"/>
-        </a:effectRef>
-        <a:fontRef idx="minor">
-          <a:schemeClr val="lt1"/>
-        </a:fontRef>
-      </dsp:style>
-      <dsp:txBody>
-        <a:bodyPr spcFirstLastPara="0" vert="horz" wrap="square" lIns="25400" tIns="12700" rIns="0" bIns="12700" numCol="1" spcCol="1270" anchor="ctr" anchorCtr="0">
-          <a:noAutofit/>
-        </a:bodyPr>
-        <a:lstStyle/>
-        <a:p>
-          <a:pPr lvl="0" algn="ctr" defTabSz="889000">
-            <a:lnSpc>
-              <a:spcPct val="90000"/>
-            </a:lnSpc>
-            <a:spcBef>
-              <a:spcPct val="0"/>
-            </a:spcBef>
-            <a:spcAft>
-              <a:spcPct val="35000"/>
-            </a:spcAft>
-          </a:pPr>
-          <a:r>
-            <a:rPr lang="en-US" sz="2000" kern="1200" dirty="0" smtClean="0"/>
-            <a:t>Look right</a:t>
-          </a:r>
-          <a:endParaRPr lang="en-US" sz="2000" kern="1200" dirty="0"/>
-        </a:p>
-      </dsp:txBody>
-      <dsp:txXfrm>
-        <a:off x="541254" y="976"/>
-        <a:ext cx="829066" cy="552710"/>
-      </dsp:txXfrm>
-    </dsp:sp>
-    <dsp:sp modelId="{6FF147C8-F510-4581-8A20-3320CEAEDA01}">
-      <dsp:nvSpPr>
-        <dsp:cNvPr id="0" name=""/>
-        <dsp:cNvSpPr/>
-      </dsp:nvSpPr>
-      <dsp:spPr>
-        <a:xfrm>
-          <a:off x="1467044" y="47956"/>
-          <a:ext cx="1146874" cy="458749"/>
-        </a:xfrm>
-        <a:prstGeom prst="chevron">
-          <a:avLst/>
-        </a:prstGeom>
-        <a:solidFill>
-          <a:schemeClr val="accent1">
-            <a:alpha val="90000"/>
-            <a:tint val="40000"/>
-            <a:hueOff val="0"/>
-            <a:satOff val="0"/>
-            <a:lumOff val="0"/>
-            <a:alphaOff val="0"/>
-          </a:schemeClr>
-        </a:solidFill>
-        <a:ln w="25400" cap="flat" cmpd="sng" algn="ctr">
-          <a:solidFill>
-            <a:schemeClr val="accent1">
-              <a:alpha val="90000"/>
-              <a:tint val="40000"/>
-              <a:hueOff val="0"/>
-              <a:satOff val="0"/>
-              <a:lumOff val="0"/>
-              <a:alphaOff val="0"/>
-            </a:schemeClr>
-          </a:solidFill>
-          <a:prstDash val="solid"/>
-        </a:ln>
-        <a:effectLst/>
-      </dsp:spPr>
-      <dsp:style>
-        <a:lnRef idx="2">
-          <a:scrgbClr r="0" g="0" b="0"/>
-        </a:lnRef>
-        <a:fillRef idx="1">
-          <a:scrgbClr r="0" g="0" b="0"/>
-        </a:fillRef>
-        <a:effectRef idx="0">
-          <a:scrgbClr r="0" g="0" b="0"/>
-        </a:effectRef>
-        <a:fontRef idx="minor"/>
-      </dsp:style>
-      <dsp:txBody>
-        <a:bodyPr spcFirstLastPara="0" vert="horz" wrap="square" lIns="13970" tIns="6985" rIns="0" bIns="6985" numCol="1" spcCol="1270" anchor="ctr" anchorCtr="0">
-          <a:noAutofit/>
-        </a:bodyPr>
-        <a:lstStyle/>
-        <a:p>
-          <a:pPr lvl="0" algn="ctr" defTabSz="488950">
-            <a:lnSpc>
-              <a:spcPct val="90000"/>
-            </a:lnSpc>
-            <a:spcBef>
-              <a:spcPct val="0"/>
-            </a:spcBef>
-            <a:spcAft>
-              <a:spcPct val="35000"/>
-            </a:spcAft>
-          </a:pPr>
-          <a:r>
-            <a:rPr lang="en-US" sz="1100" kern="1200" dirty="0" smtClean="0"/>
-            <a:t>Move wheel chair right</a:t>
-          </a:r>
-          <a:endParaRPr lang="en-US" sz="1100" kern="1200" dirty="0"/>
-        </a:p>
-      </dsp:txBody>
-      <dsp:txXfrm>
-        <a:off x="1696419" y="47956"/>
-        <a:ext cx="688125" cy="458749"/>
-      </dsp:txXfrm>
-    </dsp:sp>
-    <dsp:sp modelId="{D51F0D94-0DD5-4323-9461-7821F4E16521}">
-      <dsp:nvSpPr>
-        <dsp:cNvPr id="0" name=""/>
-        <dsp:cNvSpPr/>
-      </dsp:nvSpPr>
-      <dsp:spPr>
-        <a:xfrm>
-          <a:off x="264899" y="631066"/>
-          <a:ext cx="1381776" cy="552710"/>
-        </a:xfrm>
-        <a:prstGeom prst="chevron">
-          <a:avLst/>
-        </a:prstGeom>
-        <a:solidFill>
-          <a:schemeClr val="accent1">
-            <a:hueOff val="0"/>
-            <a:satOff val="0"/>
-            <a:lumOff val="0"/>
-            <a:alphaOff val="0"/>
-          </a:schemeClr>
-        </a:solidFill>
-        <a:ln w="25400" cap="flat" cmpd="sng" algn="ctr">
-          <a:solidFill>
-            <a:schemeClr val="lt1">
-              <a:hueOff val="0"/>
-              <a:satOff val="0"/>
-              <a:lumOff val="0"/>
-              <a:alphaOff val="0"/>
-            </a:schemeClr>
-          </a:solidFill>
-          <a:prstDash val="solid"/>
-        </a:ln>
-        <a:effectLst/>
-      </dsp:spPr>
-      <dsp:style>
-        <a:lnRef idx="2">
-          <a:scrgbClr r="0" g="0" b="0"/>
-        </a:lnRef>
-        <a:fillRef idx="1">
-          <a:scrgbClr r="0" g="0" b="0"/>
-        </a:fillRef>
-        <a:effectRef idx="0">
-          <a:scrgbClr r="0" g="0" b="0"/>
-        </a:effectRef>
-        <a:fontRef idx="minor">
-          <a:schemeClr val="lt1"/>
-        </a:fontRef>
-      </dsp:style>
-      <dsp:txBody>
-        <a:bodyPr spcFirstLastPara="0" vert="horz" wrap="square" lIns="25400" tIns="12700" rIns="0" bIns="12700" numCol="1" spcCol="1270" anchor="ctr" anchorCtr="0">
-          <a:noAutofit/>
-        </a:bodyPr>
-        <a:lstStyle/>
-        <a:p>
-          <a:pPr lvl="0" algn="ctr" defTabSz="889000">
-            <a:lnSpc>
-              <a:spcPct val="90000"/>
-            </a:lnSpc>
-            <a:spcBef>
-              <a:spcPct val="0"/>
-            </a:spcBef>
-            <a:spcAft>
-              <a:spcPct val="35000"/>
-            </a:spcAft>
-          </a:pPr>
-          <a:r>
-            <a:rPr lang="en-US" sz="2000" kern="1200" dirty="0" smtClean="0"/>
-            <a:t>Look left</a:t>
-          </a:r>
-          <a:endParaRPr lang="en-US" sz="2000" kern="1200" dirty="0"/>
-        </a:p>
-      </dsp:txBody>
-      <dsp:txXfrm>
-        <a:off x="541254" y="631066"/>
-        <a:ext cx="829066" cy="552710"/>
-      </dsp:txXfrm>
-    </dsp:sp>
-    <dsp:sp modelId="{EF739CB9-A874-426E-ABFB-C17CB1D11AE9}">
-      <dsp:nvSpPr>
-        <dsp:cNvPr id="0" name=""/>
-        <dsp:cNvSpPr/>
-      </dsp:nvSpPr>
-      <dsp:spPr>
-        <a:xfrm>
-          <a:off x="1467044" y="678046"/>
-          <a:ext cx="1146874" cy="458749"/>
-        </a:xfrm>
-        <a:prstGeom prst="chevron">
-          <a:avLst/>
-        </a:prstGeom>
-        <a:solidFill>
-          <a:schemeClr val="accent1">
-            <a:alpha val="90000"/>
-            <a:tint val="40000"/>
-            <a:hueOff val="0"/>
-            <a:satOff val="0"/>
-            <a:lumOff val="0"/>
-            <a:alphaOff val="0"/>
-          </a:schemeClr>
-        </a:solidFill>
-        <a:ln w="25400" cap="flat" cmpd="sng" algn="ctr">
-          <a:solidFill>
-            <a:schemeClr val="accent1">
-              <a:alpha val="90000"/>
-              <a:tint val="40000"/>
-              <a:hueOff val="0"/>
-              <a:satOff val="0"/>
-              <a:lumOff val="0"/>
-              <a:alphaOff val="0"/>
-            </a:schemeClr>
-          </a:solidFill>
-          <a:prstDash val="solid"/>
-        </a:ln>
-        <a:effectLst/>
-      </dsp:spPr>
-      <dsp:style>
-        <a:lnRef idx="2">
-          <a:scrgbClr r="0" g="0" b="0"/>
-        </a:lnRef>
-        <a:fillRef idx="1">
-          <a:scrgbClr r="0" g="0" b="0"/>
-        </a:fillRef>
-        <a:effectRef idx="0">
-          <a:scrgbClr r="0" g="0" b="0"/>
-        </a:effectRef>
-        <a:fontRef idx="minor"/>
-      </dsp:style>
-      <dsp:txBody>
-        <a:bodyPr spcFirstLastPara="0" vert="horz" wrap="square" lIns="13970" tIns="6985" rIns="0" bIns="6985" numCol="1" spcCol="1270" anchor="ctr" anchorCtr="0">
-          <a:noAutofit/>
-        </a:bodyPr>
-        <a:lstStyle/>
-        <a:p>
-          <a:pPr lvl="0" algn="ctr" defTabSz="488950">
-            <a:lnSpc>
-              <a:spcPct val="90000"/>
-            </a:lnSpc>
-            <a:spcBef>
-              <a:spcPct val="0"/>
-            </a:spcBef>
-            <a:spcAft>
-              <a:spcPct val="35000"/>
-            </a:spcAft>
-          </a:pPr>
-          <a:r>
-            <a:rPr lang="en-US" sz="1100" kern="1200" dirty="0" smtClean="0"/>
-            <a:t>Move wheel chair left</a:t>
-          </a:r>
-          <a:endParaRPr lang="en-US" sz="1100" kern="1200" dirty="0"/>
-        </a:p>
-      </dsp:txBody>
-      <dsp:txXfrm>
-        <a:off x="1696419" y="678046"/>
-        <a:ext cx="688125" cy="458749"/>
-      </dsp:txXfrm>
-    </dsp:sp>
-    <dsp:sp modelId="{EC3F710C-7A2E-45A7-B6BD-47E7A1E7F565}">
-      <dsp:nvSpPr>
-        <dsp:cNvPr id="0" name=""/>
-        <dsp:cNvSpPr/>
-      </dsp:nvSpPr>
-      <dsp:spPr>
-        <a:xfrm>
-          <a:off x="264899" y="1261156"/>
-          <a:ext cx="1381776" cy="552710"/>
-        </a:xfrm>
-        <a:prstGeom prst="chevron">
-          <a:avLst/>
-        </a:prstGeom>
-        <a:solidFill>
-          <a:schemeClr val="accent1">
-            <a:hueOff val="0"/>
-            <a:satOff val="0"/>
-            <a:lumOff val="0"/>
-            <a:alphaOff val="0"/>
-          </a:schemeClr>
-        </a:solidFill>
-        <a:ln w="25400" cap="flat" cmpd="sng" algn="ctr">
-          <a:solidFill>
-            <a:schemeClr val="lt1">
-              <a:hueOff val="0"/>
-              <a:satOff val="0"/>
-              <a:lumOff val="0"/>
-              <a:alphaOff val="0"/>
-            </a:schemeClr>
-          </a:solidFill>
-          <a:prstDash val="solid"/>
-        </a:ln>
-        <a:effectLst/>
-      </dsp:spPr>
-      <dsp:style>
-        <a:lnRef idx="2">
-          <a:scrgbClr r="0" g="0" b="0"/>
-        </a:lnRef>
-        <a:fillRef idx="1">
-          <a:scrgbClr r="0" g="0" b="0"/>
-        </a:fillRef>
-        <a:effectRef idx="0">
-          <a:scrgbClr r="0" g="0" b="0"/>
-        </a:effectRef>
-        <a:fontRef idx="minor">
-          <a:schemeClr val="lt1"/>
-        </a:fontRef>
-      </dsp:style>
-      <dsp:txBody>
-        <a:bodyPr spcFirstLastPara="0" vert="horz" wrap="square" lIns="25400" tIns="12700" rIns="0" bIns="12700" numCol="1" spcCol="1270" anchor="ctr" anchorCtr="0">
-          <a:noAutofit/>
-        </a:bodyPr>
-        <a:lstStyle/>
-        <a:p>
-          <a:pPr lvl="0" algn="ctr" defTabSz="889000">
-            <a:lnSpc>
-              <a:spcPct val="90000"/>
-            </a:lnSpc>
-            <a:spcBef>
-              <a:spcPct val="0"/>
-            </a:spcBef>
-            <a:spcAft>
-              <a:spcPct val="35000"/>
-            </a:spcAft>
-          </a:pPr>
-          <a:r>
-            <a:rPr lang="en-US" sz="2000" kern="1200" dirty="0" smtClean="0"/>
-            <a:t>Look front</a:t>
-          </a:r>
-          <a:endParaRPr lang="en-US" sz="2000" kern="1200" dirty="0"/>
-        </a:p>
-      </dsp:txBody>
-      <dsp:txXfrm>
-        <a:off x="541254" y="1261156"/>
-        <a:ext cx="829066" cy="552710"/>
-      </dsp:txXfrm>
-    </dsp:sp>
-    <dsp:sp modelId="{C8BB460A-3BA5-4D2F-8E6E-05B5F9184B1C}">
-      <dsp:nvSpPr>
-        <dsp:cNvPr id="0" name=""/>
-        <dsp:cNvSpPr/>
-      </dsp:nvSpPr>
-      <dsp:spPr>
-        <a:xfrm>
-          <a:off x="1467044" y="1308136"/>
-          <a:ext cx="1146874" cy="458749"/>
-        </a:xfrm>
-        <a:prstGeom prst="chevron">
-          <a:avLst/>
-        </a:prstGeom>
-        <a:solidFill>
-          <a:schemeClr val="accent1">
-            <a:alpha val="90000"/>
-            <a:tint val="40000"/>
-            <a:hueOff val="0"/>
-            <a:satOff val="0"/>
-            <a:lumOff val="0"/>
-            <a:alphaOff val="0"/>
-          </a:schemeClr>
-        </a:solidFill>
-        <a:ln w="25400" cap="flat" cmpd="sng" algn="ctr">
-          <a:solidFill>
-            <a:schemeClr val="accent1">
-              <a:alpha val="90000"/>
-              <a:tint val="40000"/>
-              <a:hueOff val="0"/>
-              <a:satOff val="0"/>
-              <a:lumOff val="0"/>
-              <a:alphaOff val="0"/>
-            </a:schemeClr>
-          </a:solidFill>
-          <a:prstDash val="solid"/>
-        </a:ln>
-        <a:effectLst/>
-      </dsp:spPr>
-      <dsp:style>
-        <a:lnRef idx="2">
-          <a:scrgbClr r="0" g="0" b="0"/>
-        </a:lnRef>
-        <a:fillRef idx="1">
-          <a:scrgbClr r="0" g="0" b="0"/>
-        </a:fillRef>
-        <a:effectRef idx="0">
-          <a:scrgbClr r="0" g="0" b="0"/>
-        </a:effectRef>
-        <a:fontRef idx="minor"/>
-      </dsp:style>
-      <dsp:txBody>
-        <a:bodyPr spcFirstLastPara="0" vert="horz" wrap="square" lIns="13970" tIns="6985" rIns="0" bIns="6985" numCol="1" spcCol="1270" anchor="ctr" anchorCtr="0">
-          <a:noAutofit/>
-        </a:bodyPr>
-        <a:lstStyle/>
-        <a:p>
-          <a:pPr lvl="0" algn="ctr" defTabSz="488950">
-            <a:lnSpc>
-              <a:spcPct val="90000"/>
-            </a:lnSpc>
-            <a:spcBef>
-              <a:spcPct val="0"/>
-            </a:spcBef>
-            <a:spcAft>
-              <a:spcPct val="35000"/>
-            </a:spcAft>
-          </a:pPr>
-          <a:r>
-            <a:rPr lang="en-US" sz="1100" kern="1200" dirty="0" smtClean="0"/>
-            <a:t>Move straight</a:t>
-          </a:r>
-          <a:endParaRPr lang="en-US" sz="1100" kern="1200" dirty="0"/>
-        </a:p>
-      </dsp:txBody>
-      <dsp:txXfrm>
-        <a:off x="1696419" y="1308136"/>
-        <a:ext cx="688125" cy="458749"/>
-      </dsp:txXfrm>
-    </dsp:sp>
-    <dsp:sp modelId="{DACE7244-69C2-4BEC-B512-AB9449BD9A34}">
-      <dsp:nvSpPr>
-        <dsp:cNvPr id="0" name=""/>
-        <dsp:cNvSpPr/>
-      </dsp:nvSpPr>
-      <dsp:spPr>
-        <a:xfrm>
-          <a:off x="264899" y="1891246"/>
-          <a:ext cx="1381776" cy="552710"/>
-        </a:xfrm>
-        <a:prstGeom prst="chevron">
-          <a:avLst/>
-        </a:prstGeom>
-        <a:solidFill>
-          <a:schemeClr val="accent1">
-            <a:hueOff val="0"/>
-            <a:satOff val="0"/>
-            <a:lumOff val="0"/>
-            <a:alphaOff val="0"/>
-          </a:schemeClr>
-        </a:solidFill>
-        <a:ln w="25400" cap="flat" cmpd="sng" algn="ctr">
-          <a:solidFill>
-            <a:schemeClr val="lt1">
-              <a:hueOff val="0"/>
-              <a:satOff val="0"/>
-              <a:lumOff val="0"/>
-              <a:alphaOff val="0"/>
-            </a:schemeClr>
-          </a:solidFill>
-          <a:prstDash val="solid"/>
-        </a:ln>
-        <a:effectLst/>
-      </dsp:spPr>
-      <dsp:style>
-        <a:lnRef idx="2">
-          <a:scrgbClr r="0" g="0" b="0"/>
-        </a:lnRef>
-        <a:fillRef idx="1">
-          <a:scrgbClr r="0" g="0" b="0"/>
-        </a:fillRef>
-        <a:effectRef idx="0">
-          <a:scrgbClr r="0" g="0" b="0"/>
-        </a:effectRef>
-        <a:fontRef idx="minor">
-          <a:schemeClr val="lt1"/>
-        </a:fontRef>
-      </dsp:style>
-      <dsp:txBody>
-        <a:bodyPr spcFirstLastPara="0" vert="horz" wrap="square" lIns="25400" tIns="12700" rIns="0" bIns="12700" numCol="1" spcCol="1270" anchor="ctr" anchorCtr="0">
-          <a:noAutofit/>
-        </a:bodyPr>
-        <a:lstStyle/>
-        <a:p>
-          <a:pPr lvl="0" algn="ctr" defTabSz="889000">
-            <a:lnSpc>
-              <a:spcPct val="90000"/>
-            </a:lnSpc>
-            <a:spcBef>
-              <a:spcPct val="0"/>
-            </a:spcBef>
-            <a:spcAft>
-              <a:spcPct val="35000"/>
-            </a:spcAft>
-          </a:pPr>
-          <a:r>
-            <a:rPr lang="en-US" sz="2000" kern="1200" dirty="0" smtClean="0"/>
-            <a:t>Blink</a:t>
-          </a:r>
-          <a:endParaRPr lang="en-US" sz="2000" kern="1200" dirty="0"/>
-        </a:p>
-      </dsp:txBody>
-      <dsp:txXfrm>
-        <a:off x="541254" y="1891246"/>
-        <a:ext cx="829066" cy="552710"/>
-      </dsp:txXfrm>
-    </dsp:sp>
-    <dsp:sp modelId="{F9E73588-CFBC-473C-98F3-3E6114A98896}">
-      <dsp:nvSpPr>
-        <dsp:cNvPr id="0" name=""/>
-        <dsp:cNvSpPr/>
-      </dsp:nvSpPr>
-      <dsp:spPr>
-        <a:xfrm>
-          <a:off x="1467044" y="1938226"/>
-          <a:ext cx="1146874" cy="458749"/>
-        </a:xfrm>
-        <a:prstGeom prst="chevron">
-          <a:avLst/>
-        </a:prstGeom>
-        <a:solidFill>
-          <a:schemeClr val="accent1">
-            <a:alpha val="90000"/>
-            <a:tint val="40000"/>
-            <a:hueOff val="0"/>
-            <a:satOff val="0"/>
-            <a:lumOff val="0"/>
-            <a:alphaOff val="0"/>
-          </a:schemeClr>
-        </a:solidFill>
-        <a:ln w="25400" cap="flat" cmpd="sng" algn="ctr">
-          <a:solidFill>
-            <a:schemeClr val="accent1">
-              <a:alpha val="90000"/>
-              <a:tint val="40000"/>
-              <a:hueOff val="0"/>
-              <a:satOff val="0"/>
-              <a:lumOff val="0"/>
-              <a:alphaOff val="0"/>
-            </a:schemeClr>
-          </a:solidFill>
-          <a:prstDash val="solid"/>
-        </a:ln>
-        <a:effectLst/>
-      </dsp:spPr>
-      <dsp:style>
-        <a:lnRef idx="2">
-          <a:scrgbClr r="0" g="0" b="0"/>
-        </a:lnRef>
-        <a:fillRef idx="1">
-          <a:scrgbClr r="0" g="0" b="0"/>
-        </a:fillRef>
-        <a:effectRef idx="0">
-          <a:scrgbClr r="0" g="0" b="0"/>
-        </a:effectRef>
-        <a:fontRef idx="minor"/>
-      </dsp:style>
-      <dsp:txBody>
-        <a:bodyPr spcFirstLastPara="0" vert="horz" wrap="square" lIns="13970" tIns="6985" rIns="0" bIns="6985" numCol="1" spcCol="1270" anchor="ctr" anchorCtr="0">
-          <a:noAutofit/>
-        </a:bodyPr>
-        <a:lstStyle/>
-        <a:p>
-          <a:pPr lvl="0" algn="ctr" defTabSz="488950">
-            <a:lnSpc>
-              <a:spcPct val="90000"/>
-            </a:lnSpc>
-            <a:spcBef>
-              <a:spcPct val="0"/>
-            </a:spcBef>
-            <a:spcAft>
-              <a:spcPct val="35000"/>
-            </a:spcAft>
-          </a:pPr>
-          <a:r>
-            <a:rPr lang="en-US" sz="1100" kern="1200" dirty="0" smtClean="0"/>
-            <a:t>Start/Stop</a:t>
-          </a:r>
-          <a:endParaRPr lang="en-US" sz="1100" kern="1200" dirty="0"/>
-        </a:p>
-      </dsp:txBody>
-      <dsp:txXfrm>
-        <a:off x="1696419" y="1938226"/>
-        <a:ext cx="688125" cy="458749"/>
-      </dsp:txXfrm>
-    </dsp:sp>
   </dsp:spTree>
 </dsp:drawing>
 </file>
@@ -8202,630 +6549,6 @@
       <dsp:cNvGrpSpPr/>
     </dsp:nvGrpSpPr>
     <dsp:grpSpPr/>
-    <dsp:sp modelId="{2E48D016-F559-4328-B945-F71E38FFF77C}">
-      <dsp:nvSpPr>
-        <dsp:cNvPr id="0" name=""/>
-        <dsp:cNvSpPr/>
-      </dsp:nvSpPr>
-      <dsp:spPr>
-        <a:xfrm>
-          <a:off x="264899" y="976"/>
-          <a:ext cx="1381776" cy="552710"/>
-        </a:xfrm>
-        <a:prstGeom prst="chevron">
-          <a:avLst/>
-        </a:prstGeom>
-        <a:solidFill>
-          <a:schemeClr val="accent1">
-            <a:hueOff val="0"/>
-            <a:satOff val="0"/>
-            <a:lumOff val="0"/>
-            <a:alphaOff val="0"/>
-          </a:schemeClr>
-        </a:solidFill>
-        <a:ln w="25400" cap="flat" cmpd="sng" algn="ctr">
-          <a:solidFill>
-            <a:schemeClr val="lt1">
-              <a:hueOff val="0"/>
-              <a:satOff val="0"/>
-              <a:lumOff val="0"/>
-              <a:alphaOff val="0"/>
-            </a:schemeClr>
-          </a:solidFill>
-          <a:prstDash val="solid"/>
-        </a:ln>
-        <a:effectLst/>
-      </dsp:spPr>
-      <dsp:style>
-        <a:lnRef idx="2">
-          <a:scrgbClr r="0" g="0" b="0"/>
-        </a:lnRef>
-        <a:fillRef idx="1">
-          <a:scrgbClr r="0" g="0" b="0"/>
-        </a:fillRef>
-        <a:effectRef idx="0">
-          <a:scrgbClr r="0" g="0" b="0"/>
-        </a:effectRef>
-        <a:fontRef idx="minor">
-          <a:schemeClr val="lt1"/>
-        </a:fontRef>
-      </dsp:style>
-      <dsp:txBody>
-        <a:bodyPr spcFirstLastPara="0" vert="horz" wrap="square" lIns="25400" tIns="12700" rIns="0" bIns="12700" numCol="1" spcCol="1270" anchor="ctr" anchorCtr="0">
-          <a:noAutofit/>
-        </a:bodyPr>
-        <a:lstStyle/>
-        <a:p>
-          <a:pPr lvl="0" algn="ctr" defTabSz="889000">
-            <a:lnSpc>
-              <a:spcPct val="90000"/>
-            </a:lnSpc>
-            <a:spcBef>
-              <a:spcPct val="0"/>
-            </a:spcBef>
-            <a:spcAft>
-              <a:spcPct val="35000"/>
-            </a:spcAft>
-          </a:pPr>
-          <a:r>
-            <a:rPr lang="en-US" sz="2000" kern="1200" dirty="0" smtClean="0"/>
-            <a:t>Move right</a:t>
-          </a:r>
-          <a:endParaRPr lang="en-US" sz="2000" kern="1200" dirty="0"/>
-        </a:p>
-      </dsp:txBody>
-      <dsp:txXfrm>
-        <a:off x="541254" y="976"/>
-        <a:ext cx="829066" cy="552710"/>
-      </dsp:txXfrm>
-    </dsp:sp>
-    <dsp:sp modelId="{6FF147C8-F510-4581-8A20-3320CEAEDA01}">
-      <dsp:nvSpPr>
-        <dsp:cNvPr id="0" name=""/>
-        <dsp:cNvSpPr/>
-      </dsp:nvSpPr>
-      <dsp:spPr>
-        <a:xfrm>
-          <a:off x="1467044" y="47956"/>
-          <a:ext cx="1146874" cy="458749"/>
-        </a:xfrm>
-        <a:prstGeom prst="chevron">
-          <a:avLst/>
-        </a:prstGeom>
-        <a:solidFill>
-          <a:schemeClr val="accent1">
-            <a:alpha val="90000"/>
-            <a:tint val="40000"/>
-            <a:hueOff val="0"/>
-            <a:satOff val="0"/>
-            <a:lumOff val="0"/>
-            <a:alphaOff val="0"/>
-          </a:schemeClr>
-        </a:solidFill>
-        <a:ln w="25400" cap="flat" cmpd="sng" algn="ctr">
-          <a:solidFill>
-            <a:schemeClr val="accent1">
-              <a:alpha val="90000"/>
-              <a:tint val="40000"/>
-              <a:hueOff val="0"/>
-              <a:satOff val="0"/>
-              <a:lumOff val="0"/>
-              <a:alphaOff val="0"/>
-            </a:schemeClr>
-          </a:solidFill>
-          <a:prstDash val="solid"/>
-        </a:ln>
-        <a:effectLst/>
-      </dsp:spPr>
-      <dsp:style>
-        <a:lnRef idx="2">
-          <a:scrgbClr r="0" g="0" b="0"/>
-        </a:lnRef>
-        <a:fillRef idx="1">
-          <a:scrgbClr r="0" g="0" b="0"/>
-        </a:fillRef>
-        <a:effectRef idx="0">
-          <a:scrgbClr r="0" g="0" b="0"/>
-        </a:effectRef>
-        <a:fontRef idx="minor"/>
-      </dsp:style>
-      <dsp:txBody>
-        <a:bodyPr spcFirstLastPara="0" vert="horz" wrap="square" lIns="13970" tIns="6985" rIns="0" bIns="6985" numCol="1" spcCol="1270" anchor="ctr" anchorCtr="0">
-          <a:noAutofit/>
-        </a:bodyPr>
-        <a:lstStyle/>
-        <a:p>
-          <a:pPr lvl="0" algn="ctr" defTabSz="488950">
-            <a:lnSpc>
-              <a:spcPct val="90000"/>
-            </a:lnSpc>
-            <a:spcBef>
-              <a:spcPct val="0"/>
-            </a:spcBef>
-            <a:spcAft>
-              <a:spcPct val="35000"/>
-            </a:spcAft>
-          </a:pPr>
-          <a:r>
-            <a:rPr lang="en-US" sz="1100" kern="1200" dirty="0" smtClean="0"/>
-            <a:t>Move wheel chair right</a:t>
-          </a:r>
-          <a:endParaRPr lang="en-US" sz="1100" kern="1200" dirty="0"/>
-        </a:p>
-      </dsp:txBody>
-      <dsp:txXfrm>
-        <a:off x="1696419" y="47956"/>
-        <a:ext cx="688125" cy="458749"/>
-      </dsp:txXfrm>
-    </dsp:sp>
-    <dsp:sp modelId="{D51F0D94-0DD5-4323-9461-7821F4E16521}">
-      <dsp:nvSpPr>
-        <dsp:cNvPr id="0" name=""/>
-        <dsp:cNvSpPr/>
-      </dsp:nvSpPr>
-      <dsp:spPr>
-        <a:xfrm>
-          <a:off x="264899" y="631066"/>
-          <a:ext cx="1381776" cy="552710"/>
-        </a:xfrm>
-        <a:prstGeom prst="chevron">
-          <a:avLst/>
-        </a:prstGeom>
-        <a:solidFill>
-          <a:schemeClr val="accent1">
-            <a:hueOff val="0"/>
-            <a:satOff val="0"/>
-            <a:lumOff val="0"/>
-            <a:alphaOff val="0"/>
-          </a:schemeClr>
-        </a:solidFill>
-        <a:ln w="25400" cap="flat" cmpd="sng" algn="ctr">
-          <a:solidFill>
-            <a:schemeClr val="lt1">
-              <a:hueOff val="0"/>
-              <a:satOff val="0"/>
-              <a:lumOff val="0"/>
-              <a:alphaOff val="0"/>
-            </a:schemeClr>
-          </a:solidFill>
-          <a:prstDash val="solid"/>
-        </a:ln>
-        <a:effectLst/>
-      </dsp:spPr>
-      <dsp:style>
-        <a:lnRef idx="2">
-          <a:scrgbClr r="0" g="0" b="0"/>
-        </a:lnRef>
-        <a:fillRef idx="1">
-          <a:scrgbClr r="0" g="0" b="0"/>
-        </a:fillRef>
-        <a:effectRef idx="0">
-          <a:scrgbClr r="0" g="0" b="0"/>
-        </a:effectRef>
-        <a:fontRef idx="minor">
-          <a:schemeClr val="lt1"/>
-        </a:fontRef>
-      </dsp:style>
-      <dsp:txBody>
-        <a:bodyPr spcFirstLastPara="0" vert="horz" wrap="square" lIns="25400" tIns="12700" rIns="0" bIns="12700" numCol="1" spcCol="1270" anchor="ctr" anchorCtr="0">
-          <a:noAutofit/>
-        </a:bodyPr>
-        <a:lstStyle/>
-        <a:p>
-          <a:pPr lvl="0" algn="ctr" defTabSz="889000">
-            <a:lnSpc>
-              <a:spcPct val="90000"/>
-            </a:lnSpc>
-            <a:spcBef>
-              <a:spcPct val="0"/>
-            </a:spcBef>
-            <a:spcAft>
-              <a:spcPct val="35000"/>
-            </a:spcAft>
-          </a:pPr>
-          <a:r>
-            <a:rPr lang="en-US" sz="2000" kern="1200" dirty="0" smtClean="0"/>
-            <a:t>Move left</a:t>
-          </a:r>
-          <a:endParaRPr lang="en-US" sz="2000" kern="1200" dirty="0"/>
-        </a:p>
-      </dsp:txBody>
-      <dsp:txXfrm>
-        <a:off x="541254" y="631066"/>
-        <a:ext cx="829066" cy="552710"/>
-      </dsp:txXfrm>
-    </dsp:sp>
-    <dsp:sp modelId="{EF739CB9-A874-426E-ABFB-C17CB1D11AE9}">
-      <dsp:nvSpPr>
-        <dsp:cNvPr id="0" name=""/>
-        <dsp:cNvSpPr/>
-      </dsp:nvSpPr>
-      <dsp:spPr>
-        <a:xfrm>
-          <a:off x="1467044" y="678046"/>
-          <a:ext cx="1146874" cy="458749"/>
-        </a:xfrm>
-        <a:prstGeom prst="chevron">
-          <a:avLst/>
-        </a:prstGeom>
-        <a:solidFill>
-          <a:schemeClr val="accent1">
-            <a:alpha val="90000"/>
-            <a:tint val="40000"/>
-            <a:hueOff val="0"/>
-            <a:satOff val="0"/>
-            <a:lumOff val="0"/>
-            <a:alphaOff val="0"/>
-          </a:schemeClr>
-        </a:solidFill>
-        <a:ln w="25400" cap="flat" cmpd="sng" algn="ctr">
-          <a:solidFill>
-            <a:schemeClr val="accent1">
-              <a:alpha val="90000"/>
-              <a:tint val="40000"/>
-              <a:hueOff val="0"/>
-              <a:satOff val="0"/>
-              <a:lumOff val="0"/>
-              <a:alphaOff val="0"/>
-            </a:schemeClr>
-          </a:solidFill>
-          <a:prstDash val="solid"/>
-        </a:ln>
-        <a:effectLst/>
-      </dsp:spPr>
-      <dsp:style>
-        <a:lnRef idx="2">
-          <a:scrgbClr r="0" g="0" b="0"/>
-        </a:lnRef>
-        <a:fillRef idx="1">
-          <a:scrgbClr r="0" g="0" b="0"/>
-        </a:fillRef>
-        <a:effectRef idx="0">
-          <a:scrgbClr r="0" g="0" b="0"/>
-        </a:effectRef>
-        <a:fontRef idx="minor"/>
-      </dsp:style>
-      <dsp:txBody>
-        <a:bodyPr spcFirstLastPara="0" vert="horz" wrap="square" lIns="13970" tIns="6985" rIns="0" bIns="6985" numCol="1" spcCol="1270" anchor="ctr" anchorCtr="0">
-          <a:noAutofit/>
-        </a:bodyPr>
-        <a:lstStyle/>
-        <a:p>
-          <a:pPr lvl="0" algn="ctr" defTabSz="488950">
-            <a:lnSpc>
-              <a:spcPct val="90000"/>
-            </a:lnSpc>
-            <a:spcBef>
-              <a:spcPct val="0"/>
-            </a:spcBef>
-            <a:spcAft>
-              <a:spcPct val="35000"/>
-            </a:spcAft>
-          </a:pPr>
-          <a:r>
-            <a:rPr lang="en-US" sz="1100" kern="1200" dirty="0" smtClean="0"/>
-            <a:t>Move wheel chair left</a:t>
-          </a:r>
-          <a:endParaRPr lang="en-US" sz="1100" kern="1200" dirty="0"/>
-        </a:p>
-      </dsp:txBody>
-      <dsp:txXfrm>
-        <a:off x="1696419" y="678046"/>
-        <a:ext cx="688125" cy="458749"/>
-      </dsp:txXfrm>
-    </dsp:sp>
-    <dsp:sp modelId="{EC3F710C-7A2E-45A7-B6BD-47E7A1E7F565}">
-      <dsp:nvSpPr>
-        <dsp:cNvPr id="0" name=""/>
-        <dsp:cNvSpPr/>
-      </dsp:nvSpPr>
-      <dsp:spPr>
-        <a:xfrm>
-          <a:off x="264899" y="1261156"/>
-          <a:ext cx="1381776" cy="552710"/>
-        </a:xfrm>
-        <a:prstGeom prst="chevron">
-          <a:avLst/>
-        </a:prstGeom>
-        <a:solidFill>
-          <a:schemeClr val="accent1">
-            <a:hueOff val="0"/>
-            <a:satOff val="0"/>
-            <a:lumOff val="0"/>
-            <a:alphaOff val="0"/>
-          </a:schemeClr>
-        </a:solidFill>
-        <a:ln w="25400" cap="flat" cmpd="sng" algn="ctr">
-          <a:solidFill>
-            <a:schemeClr val="lt1">
-              <a:hueOff val="0"/>
-              <a:satOff val="0"/>
-              <a:lumOff val="0"/>
-              <a:alphaOff val="0"/>
-            </a:schemeClr>
-          </a:solidFill>
-          <a:prstDash val="solid"/>
-        </a:ln>
-        <a:effectLst/>
-      </dsp:spPr>
-      <dsp:style>
-        <a:lnRef idx="2">
-          <a:scrgbClr r="0" g="0" b="0"/>
-        </a:lnRef>
-        <a:fillRef idx="1">
-          <a:scrgbClr r="0" g="0" b="0"/>
-        </a:fillRef>
-        <a:effectRef idx="0">
-          <a:scrgbClr r="0" g="0" b="0"/>
-        </a:effectRef>
-        <a:fontRef idx="minor">
-          <a:schemeClr val="lt1"/>
-        </a:fontRef>
-      </dsp:style>
-      <dsp:txBody>
-        <a:bodyPr spcFirstLastPara="0" vert="horz" wrap="square" lIns="25400" tIns="12700" rIns="0" bIns="12700" numCol="1" spcCol="1270" anchor="ctr" anchorCtr="0">
-          <a:noAutofit/>
-        </a:bodyPr>
-        <a:lstStyle/>
-        <a:p>
-          <a:pPr lvl="0" algn="ctr" defTabSz="889000">
-            <a:lnSpc>
-              <a:spcPct val="90000"/>
-            </a:lnSpc>
-            <a:spcBef>
-              <a:spcPct val="0"/>
-            </a:spcBef>
-            <a:spcAft>
-              <a:spcPct val="35000"/>
-            </a:spcAft>
-          </a:pPr>
-          <a:r>
-            <a:rPr lang="en-US" sz="2000" kern="1200" dirty="0" smtClean="0"/>
-            <a:t>Move up</a:t>
-          </a:r>
-          <a:endParaRPr lang="en-US" sz="2000" kern="1200" dirty="0"/>
-        </a:p>
-      </dsp:txBody>
-      <dsp:txXfrm>
-        <a:off x="541254" y="1261156"/>
-        <a:ext cx="829066" cy="552710"/>
-      </dsp:txXfrm>
-    </dsp:sp>
-    <dsp:sp modelId="{C8BB460A-3BA5-4D2F-8E6E-05B5F9184B1C}">
-      <dsp:nvSpPr>
-        <dsp:cNvPr id="0" name=""/>
-        <dsp:cNvSpPr/>
-      </dsp:nvSpPr>
-      <dsp:spPr>
-        <a:xfrm>
-          <a:off x="1467044" y="1308136"/>
-          <a:ext cx="1146874" cy="458749"/>
-        </a:xfrm>
-        <a:prstGeom prst="chevron">
-          <a:avLst/>
-        </a:prstGeom>
-        <a:solidFill>
-          <a:schemeClr val="accent1">
-            <a:alpha val="90000"/>
-            <a:tint val="40000"/>
-            <a:hueOff val="0"/>
-            <a:satOff val="0"/>
-            <a:lumOff val="0"/>
-            <a:alphaOff val="0"/>
-          </a:schemeClr>
-        </a:solidFill>
-        <a:ln w="25400" cap="flat" cmpd="sng" algn="ctr">
-          <a:solidFill>
-            <a:schemeClr val="accent1">
-              <a:alpha val="90000"/>
-              <a:tint val="40000"/>
-              <a:hueOff val="0"/>
-              <a:satOff val="0"/>
-              <a:lumOff val="0"/>
-              <a:alphaOff val="0"/>
-            </a:schemeClr>
-          </a:solidFill>
-          <a:prstDash val="solid"/>
-        </a:ln>
-        <a:effectLst/>
-      </dsp:spPr>
-      <dsp:style>
-        <a:lnRef idx="2">
-          <a:scrgbClr r="0" g="0" b="0"/>
-        </a:lnRef>
-        <a:fillRef idx="1">
-          <a:scrgbClr r="0" g="0" b="0"/>
-        </a:fillRef>
-        <a:effectRef idx="0">
-          <a:scrgbClr r="0" g="0" b="0"/>
-        </a:effectRef>
-        <a:fontRef idx="minor"/>
-      </dsp:style>
-      <dsp:txBody>
-        <a:bodyPr spcFirstLastPara="0" vert="horz" wrap="square" lIns="13970" tIns="6985" rIns="0" bIns="6985" numCol="1" spcCol="1270" anchor="ctr" anchorCtr="0">
-          <a:noAutofit/>
-        </a:bodyPr>
-        <a:lstStyle/>
-        <a:p>
-          <a:pPr lvl="0" algn="ctr" defTabSz="488950">
-            <a:lnSpc>
-              <a:spcPct val="90000"/>
-            </a:lnSpc>
-            <a:spcBef>
-              <a:spcPct val="0"/>
-            </a:spcBef>
-            <a:spcAft>
-              <a:spcPct val="35000"/>
-            </a:spcAft>
-          </a:pPr>
-          <a:r>
-            <a:rPr lang="en-US" sz="1100" kern="1200" dirty="0" smtClean="0"/>
-            <a:t>Move straight</a:t>
-          </a:r>
-          <a:endParaRPr lang="en-US" sz="1100" kern="1200" dirty="0"/>
-        </a:p>
-      </dsp:txBody>
-      <dsp:txXfrm>
-        <a:off x="1696419" y="1308136"/>
-        <a:ext cx="688125" cy="458749"/>
-      </dsp:txXfrm>
-    </dsp:sp>
-    <dsp:sp modelId="{DACE7244-69C2-4BEC-B512-AB9449BD9A34}">
-      <dsp:nvSpPr>
-        <dsp:cNvPr id="0" name=""/>
-        <dsp:cNvSpPr/>
-      </dsp:nvSpPr>
-      <dsp:spPr>
-        <a:xfrm>
-          <a:off x="264899" y="1891246"/>
-          <a:ext cx="1381776" cy="552710"/>
-        </a:xfrm>
-        <a:prstGeom prst="chevron">
-          <a:avLst/>
-        </a:prstGeom>
-        <a:solidFill>
-          <a:schemeClr val="accent1">
-            <a:hueOff val="0"/>
-            <a:satOff val="0"/>
-            <a:lumOff val="0"/>
-            <a:alphaOff val="0"/>
-          </a:schemeClr>
-        </a:solidFill>
-        <a:ln w="25400" cap="flat" cmpd="sng" algn="ctr">
-          <a:solidFill>
-            <a:schemeClr val="lt1">
-              <a:hueOff val="0"/>
-              <a:satOff val="0"/>
-              <a:lumOff val="0"/>
-              <a:alphaOff val="0"/>
-            </a:schemeClr>
-          </a:solidFill>
-          <a:prstDash val="solid"/>
-        </a:ln>
-        <a:effectLst/>
-      </dsp:spPr>
-      <dsp:style>
-        <a:lnRef idx="2">
-          <a:scrgbClr r="0" g="0" b="0"/>
-        </a:lnRef>
-        <a:fillRef idx="1">
-          <a:scrgbClr r="0" g="0" b="0"/>
-        </a:fillRef>
-        <a:effectRef idx="0">
-          <a:scrgbClr r="0" g="0" b="0"/>
-        </a:effectRef>
-        <a:fontRef idx="minor">
-          <a:schemeClr val="lt1"/>
-        </a:fontRef>
-      </dsp:style>
-      <dsp:txBody>
-        <a:bodyPr spcFirstLastPara="0" vert="horz" wrap="square" lIns="25400" tIns="12700" rIns="0" bIns="12700" numCol="1" spcCol="1270" anchor="ctr" anchorCtr="0">
-          <a:noAutofit/>
-        </a:bodyPr>
-        <a:lstStyle/>
-        <a:p>
-          <a:pPr lvl="0" algn="ctr" defTabSz="889000">
-            <a:lnSpc>
-              <a:spcPct val="90000"/>
-            </a:lnSpc>
-            <a:spcBef>
-              <a:spcPct val="0"/>
-            </a:spcBef>
-            <a:spcAft>
-              <a:spcPct val="35000"/>
-            </a:spcAft>
-          </a:pPr>
-          <a:r>
-            <a:rPr lang="en-US" sz="2000" kern="1200" dirty="0" smtClean="0"/>
-            <a:t>Move down</a:t>
-          </a:r>
-          <a:endParaRPr lang="en-US" sz="2000" kern="1200" dirty="0"/>
-        </a:p>
-      </dsp:txBody>
-      <dsp:txXfrm>
-        <a:off x="541254" y="1891246"/>
-        <a:ext cx="829066" cy="552710"/>
-      </dsp:txXfrm>
-    </dsp:sp>
-    <dsp:sp modelId="{F9E73588-CFBC-473C-98F3-3E6114A98896}">
-      <dsp:nvSpPr>
-        <dsp:cNvPr id="0" name=""/>
-        <dsp:cNvSpPr/>
-      </dsp:nvSpPr>
-      <dsp:spPr>
-        <a:xfrm>
-          <a:off x="1467044" y="1938226"/>
-          <a:ext cx="1146874" cy="458749"/>
-        </a:xfrm>
-        <a:prstGeom prst="chevron">
-          <a:avLst/>
-        </a:prstGeom>
-        <a:solidFill>
-          <a:schemeClr val="accent1">
-            <a:alpha val="90000"/>
-            <a:tint val="40000"/>
-            <a:hueOff val="0"/>
-            <a:satOff val="0"/>
-            <a:lumOff val="0"/>
-            <a:alphaOff val="0"/>
-          </a:schemeClr>
-        </a:solidFill>
-        <a:ln w="25400" cap="flat" cmpd="sng" algn="ctr">
-          <a:solidFill>
-            <a:schemeClr val="accent1">
-              <a:alpha val="90000"/>
-              <a:tint val="40000"/>
-              <a:hueOff val="0"/>
-              <a:satOff val="0"/>
-              <a:lumOff val="0"/>
-              <a:alphaOff val="0"/>
-            </a:schemeClr>
-          </a:solidFill>
-          <a:prstDash val="solid"/>
-        </a:ln>
-        <a:effectLst/>
-      </dsp:spPr>
-      <dsp:style>
-        <a:lnRef idx="2">
-          <a:scrgbClr r="0" g="0" b="0"/>
-        </a:lnRef>
-        <a:fillRef idx="1">
-          <a:scrgbClr r="0" g="0" b="0"/>
-        </a:fillRef>
-        <a:effectRef idx="0">
-          <a:scrgbClr r="0" g="0" b="0"/>
-        </a:effectRef>
-        <a:fontRef idx="minor"/>
-      </dsp:style>
-      <dsp:txBody>
-        <a:bodyPr spcFirstLastPara="0" vert="horz" wrap="square" lIns="13970" tIns="6985" rIns="0" bIns="6985" numCol="1" spcCol="1270" anchor="ctr" anchorCtr="0">
-          <a:noAutofit/>
-        </a:bodyPr>
-        <a:lstStyle/>
-        <a:p>
-          <a:pPr lvl="0" algn="ctr" defTabSz="488950">
-            <a:lnSpc>
-              <a:spcPct val="90000"/>
-            </a:lnSpc>
-            <a:spcBef>
-              <a:spcPct val="0"/>
-            </a:spcBef>
-            <a:spcAft>
-              <a:spcPct val="35000"/>
-            </a:spcAft>
-          </a:pPr>
-          <a:r>
-            <a:rPr lang="en-US" sz="1100" kern="1200" dirty="0" smtClean="0"/>
-            <a:t>Stop</a:t>
-          </a:r>
-          <a:endParaRPr lang="en-US" sz="1100" kern="1200" dirty="0"/>
-        </a:p>
-      </dsp:txBody>
-      <dsp:txXfrm>
-        <a:off x="1696419" y="1938226"/>
-        <a:ext cx="688125" cy="458749"/>
-      </dsp:txXfrm>
-    </dsp:sp>
   </dsp:spTree>
 </dsp:drawing>
 </file>
@@ -8838,630 +6561,6 @@
       <dsp:cNvGrpSpPr/>
     </dsp:nvGrpSpPr>
     <dsp:grpSpPr/>
-    <dsp:sp modelId="{2E48D016-F559-4328-B945-F71E38FFF77C}">
-      <dsp:nvSpPr>
-        <dsp:cNvPr id="0" name=""/>
-        <dsp:cNvSpPr/>
-      </dsp:nvSpPr>
-      <dsp:spPr>
-        <a:xfrm>
-          <a:off x="264899" y="976"/>
-          <a:ext cx="1381776" cy="552710"/>
-        </a:xfrm>
-        <a:prstGeom prst="chevron">
-          <a:avLst/>
-        </a:prstGeom>
-        <a:solidFill>
-          <a:schemeClr val="accent1">
-            <a:hueOff val="0"/>
-            <a:satOff val="0"/>
-            <a:lumOff val="0"/>
-            <a:alphaOff val="0"/>
-          </a:schemeClr>
-        </a:solidFill>
-        <a:ln w="25400" cap="flat" cmpd="sng" algn="ctr">
-          <a:solidFill>
-            <a:schemeClr val="lt1">
-              <a:hueOff val="0"/>
-              <a:satOff val="0"/>
-              <a:lumOff val="0"/>
-              <a:alphaOff val="0"/>
-            </a:schemeClr>
-          </a:solidFill>
-          <a:prstDash val="solid"/>
-        </a:ln>
-        <a:effectLst/>
-      </dsp:spPr>
-      <dsp:style>
-        <a:lnRef idx="2">
-          <a:scrgbClr r="0" g="0" b="0"/>
-        </a:lnRef>
-        <a:fillRef idx="1">
-          <a:scrgbClr r="0" g="0" b="0"/>
-        </a:fillRef>
-        <a:effectRef idx="0">
-          <a:scrgbClr r="0" g="0" b="0"/>
-        </a:effectRef>
-        <a:fontRef idx="minor">
-          <a:schemeClr val="lt1"/>
-        </a:fontRef>
-      </dsp:style>
-      <dsp:txBody>
-        <a:bodyPr spcFirstLastPara="0" vert="horz" wrap="square" lIns="26670" tIns="13335" rIns="0" bIns="13335" numCol="1" spcCol="1270" anchor="ctr" anchorCtr="0">
-          <a:noAutofit/>
-        </a:bodyPr>
-        <a:lstStyle/>
-        <a:p>
-          <a:pPr lvl="0" algn="ctr" defTabSz="933450">
-            <a:lnSpc>
-              <a:spcPct val="90000"/>
-            </a:lnSpc>
-            <a:spcBef>
-              <a:spcPct val="0"/>
-            </a:spcBef>
-            <a:spcAft>
-              <a:spcPct val="35000"/>
-            </a:spcAft>
-          </a:pPr>
-          <a:r>
-            <a:rPr lang="en-US" sz="2100" kern="1200" dirty="0" smtClean="0"/>
-            <a:t>“Right”</a:t>
-          </a:r>
-          <a:endParaRPr lang="en-US" sz="2100" kern="1200" dirty="0"/>
-        </a:p>
-      </dsp:txBody>
-      <dsp:txXfrm>
-        <a:off x="541254" y="976"/>
-        <a:ext cx="829066" cy="552710"/>
-      </dsp:txXfrm>
-    </dsp:sp>
-    <dsp:sp modelId="{6FF147C8-F510-4581-8A20-3320CEAEDA01}">
-      <dsp:nvSpPr>
-        <dsp:cNvPr id="0" name=""/>
-        <dsp:cNvSpPr/>
-      </dsp:nvSpPr>
-      <dsp:spPr>
-        <a:xfrm>
-          <a:off x="1467044" y="47956"/>
-          <a:ext cx="1146874" cy="458749"/>
-        </a:xfrm>
-        <a:prstGeom prst="chevron">
-          <a:avLst/>
-        </a:prstGeom>
-        <a:solidFill>
-          <a:schemeClr val="accent1">
-            <a:alpha val="90000"/>
-            <a:tint val="40000"/>
-            <a:hueOff val="0"/>
-            <a:satOff val="0"/>
-            <a:lumOff val="0"/>
-            <a:alphaOff val="0"/>
-          </a:schemeClr>
-        </a:solidFill>
-        <a:ln w="25400" cap="flat" cmpd="sng" algn="ctr">
-          <a:solidFill>
-            <a:schemeClr val="accent1">
-              <a:alpha val="90000"/>
-              <a:tint val="40000"/>
-              <a:hueOff val="0"/>
-              <a:satOff val="0"/>
-              <a:lumOff val="0"/>
-              <a:alphaOff val="0"/>
-            </a:schemeClr>
-          </a:solidFill>
-          <a:prstDash val="solid"/>
-        </a:ln>
-        <a:effectLst/>
-      </dsp:spPr>
-      <dsp:style>
-        <a:lnRef idx="2">
-          <a:scrgbClr r="0" g="0" b="0"/>
-        </a:lnRef>
-        <a:fillRef idx="1">
-          <a:scrgbClr r="0" g="0" b="0"/>
-        </a:fillRef>
-        <a:effectRef idx="0">
-          <a:scrgbClr r="0" g="0" b="0"/>
-        </a:effectRef>
-        <a:fontRef idx="minor"/>
-      </dsp:style>
-      <dsp:txBody>
-        <a:bodyPr spcFirstLastPara="0" vert="horz" wrap="square" lIns="13970" tIns="6985" rIns="0" bIns="6985" numCol="1" spcCol="1270" anchor="ctr" anchorCtr="0">
-          <a:noAutofit/>
-        </a:bodyPr>
-        <a:lstStyle/>
-        <a:p>
-          <a:pPr lvl="0" algn="ctr" defTabSz="488950">
-            <a:lnSpc>
-              <a:spcPct val="90000"/>
-            </a:lnSpc>
-            <a:spcBef>
-              <a:spcPct val="0"/>
-            </a:spcBef>
-            <a:spcAft>
-              <a:spcPct val="35000"/>
-            </a:spcAft>
-          </a:pPr>
-          <a:r>
-            <a:rPr lang="en-US" sz="1100" kern="1200" dirty="0" smtClean="0"/>
-            <a:t>Move wheel chair right</a:t>
-          </a:r>
-          <a:endParaRPr lang="en-US" sz="1100" kern="1200" dirty="0"/>
-        </a:p>
-      </dsp:txBody>
-      <dsp:txXfrm>
-        <a:off x="1696419" y="47956"/>
-        <a:ext cx="688125" cy="458749"/>
-      </dsp:txXfrm>
-    </dsp:sp>
-    <dsp:sp modelId="{D51F0D94-0DD5-4323-9461-7821F4E16521}">
-      <dsp:nvSpPr>
-        <dsp:cNvPr id="0" name=""/>
-        <dsp:cNvSpPr/>
-      </dsp:nvSpPr>
-      <dsp:spPr>
-        <a:xfrm>
-          <a:off x="264899" y="631066"/>
-          <a:ext cx="1381776" cy="552710"/>
-        </a:xfrm>
-        <a:prstGeom prst="chevron">
-          <a:avLst/>
-        </a:prstGeom>
-        <a:solidFill>
-          <a:schemeClr val="accent1">
-            <a:hueOff val="0"/>
-            <a:satOff val="0"/>
-            <a:lumOff val="0"/>
-            <a:alphaOff val="0"/>
-          </a:schemeClr>
-        </a:solidFill>
-        <a:ln w="25400" cap="flat" cmpd="sng" algn="ctr">
-          <a:solidFill>
-            <a:schemeClr val="lt1">
-              <a:hueOff val="0"/>
-              <a:satOff val="0"/>
-              <a:lumOff val="0"/>
-              <a:alphaOff val="0"/>
-            </a:schemeClr>
-          </a:solidFill>
-          <a:prstDash val="solid"/>
-        </a:ln>
-        <a:effectLst/>
-      </dsp:spPr>
-      <dsp:style>
-        <a:lnRef idx="2">
-          <a:scrgbClr r="0" g="0" b="0"/>
-        </a:lnRef>
-        <a:fillRef idx="1">
-          <a:scrgbClr r="0" g="0" b="0"/>
-        </a:fillRef>
-        <a:effectRef idx="0">
-          <a:scrgbClr r="0" g="0" b="0"/>
-        </a:effectRef>
-        <a:fontRef idx="minor">
-          <a:schemeClr val="lt1"/>
-        </a:fontRef>
-      </dsp:style>
-      <dsp:txBody>
-        <a:bodyPr spcFirstLastPara="0" vert="horz" wrap="square" lIns="26670" tIns="13335" rIns="0" bIns="13335" numCol="1" spcCol="1270" anchor="ctr" anchorCtr="0">
-          <a:noAutofit/>
-        </a:bodyPr>
-        <a:lstStyle/>
-        <a:p>
-          <a:pPr lvl="0" algn="ctr" defTabSz="933450">
-            <a:lnSpc>
-              <a:spcPct val="90000"/>
-            </a:lnSpc>
-            <a:spcBef>
-              <a:spcPct val="0"/>
-            </a:spcBef>
-            <a:spcAft>
-              <a:spcPct val="35000"/>
-            </a:spcAft>
-          </a:pPr>
-          <a:r>
-            <a:rPr lang="en-US" sz="2100" kern="1200" dirty="0" smtClean="0"/>
-            <a:t>“Left”</a:t>
-          </a:r>
-          <a:endParaRPr lang="en-US" sz="2100" kern="1200" dirty="0"/>
-        </a:p>
-      </dsp:txBody>
-      <dsp:txXfrm>
-        <a:off x="541254" y="631066"/>
-        <a:ext cx="829066" cy="552710"/>
-      </dsp:txXfrm>
-    </dsp:sp>
-    <dsp:sp modelId="{EF739CB9-A874-426E-ABFB-C17CB1D11AE9}">
-      <dsp:nvSpPr>
-        <dsp:cNvPr id="0" name=""/>
-        <dsp:cNvSpPr/>
-      </dsp:nvSpPr>
-      <dsp:spPr>
-        <a:xfrm>
-          <a:off x="1467044" y="678046"/>
-          <a:ext cx="1146874" cy="458749"/>
-        </a:xfrm>
-        <a:prstGeom prst="chevron">
-          <a:avLst/>
-        </a:prstGeom>
-        <a:solidFill>
-          <a:schemeClr val="accent1">
-            <a:alpha val="90000"/>
-            <a:tint val="40000"/>
-            <a:hueOff val="0"/>
-            <a:satOff val="0"/>
-            <a:lumOff val="0"/>
-            <a:alphaOff val="0"/>
-          </a:schemeClr>
-        </a:solidFill>
-        <a:ln w="25400" cap="flat" cmpd="sng" algn="ctr">
-          <a:solidFill>
-            <a:schemeClr val="accent1">
-              <a:alpha val="90000"/>
-              <a:tint val="40000"/>
-              <a:hueOff val="0"/>
-              <a:satOff val="0"/>
-              <a:lumOff val="0"/>
-              <a:alphaOff val="0"/>
-            </a:schemeClr>
-          </a:solidFill>
-          <a:prstDash val="solid"/>
-        </a:ln>
-        <a:effectLst/>
-      </dsp:spPr>
-      <dsp:style>
-        <a:lnRef idx="2">
-          <a:scrgbClr r="0" g="0" b="0"/>
-        </a:lnRef>
-        <a:fillRef idx="1">
-          <a:scrgbClr r="0" g="0" b="0"/>
-        </a:fillRef>
-        <a:effectRef idx="0">
-          <a:scrgbClr r="0" g="0" b="0"/>
-        </a:effectRef>
-        <a:fontRef idx="minor"/>
-      </dsp:style>
-      <dsp:txBody>
-        <a:bodyPr spcFirstLastPara="0" vert="horz" wrap="square" lIns="13970" tIns="6985" rIns="0" bIns="6985" numCol="1" spcCol="1270" anchor="ctr" anchorCtr="0">
-          <a:noAutofit/>
-        </a:bodyPr>
-        <a:lstStyle/>
-        <a:p>
-          <a:pPr lvl="0" algn="ctr" defTabSz="488950">
-            <a:lnSpc>
-              <a:spcPct val="90000"/>
-            </a:lnSpc>
-            <a:spcBef>
-              <a:spcPct val="0"/>
-            </a:spcBef>
-            <a:spcAft>
-              <a:spcPct val="35000"/>
-            </a:spcAft>
-          </a:pPr>
-          <a:r>
-            <a:rPr lang="en-US" sz="1100" kern="1200" dirty="0" smtClean="0"/>
-            <a:t>Move wheel chair left</a:t>
-          </a:r>
-          <a:endParaRPr lang="en-US" sz="1100" kern="1200" dirty="0"/>
-        </a:p>
-      </dsp:txBody>
-      <dsp:txXfrm>
-        <a:off x="1696419" y="678046"/>
-        <a:ext cx="688125" cy="458749"/>
-      </dsp:txXfrm>
-    </dsp:sp>
-    <dsp:sp modelId="{EC3F710C-7A2E-45A7-B6BD-47E7A1E7F565}">
-      <dsp:nvSpPr>
-        <dsp:cNvPr id="0" name=""/>
-        <dsp:cNvSpPr/>
-      </dsp:nvSpPr>
-      <dsp:spPr>
-        <a:xfrm>
-          <a:off x="264899" y="1261156"/>
-          <a:ext cx="1381776" cy="552710"/>
-        </a:xfrm>
-        <a:prstGeom prst="chevron">
-          <a:avLst/>
-        </a:prstGeom>
-        <a:solidFill>
-          <a:schemeClr val="accent1">
-            <a:hueOff val="0"/>
-            <a:satOff val="0"/>
-            <a:lumOff val="0"/>
-            <a:alphaOff val="0"/>
-          </a:schemeClr>
-        </a:solidFill>
-        <a:ln w="25400" cap="flat" cmpd="sng" algn="ctr">
-          <a:solidFill>
-            <a:schemeClr val="lt1">
-              <a:hueOff val="0"/>
-              <a:satOff val="0"/>
-              <a:lumOff val="0"/>
-              <a:alphaOff val="0"/>
-            </a:schemeClr>
-          </a:solidFill>
-          <a:prstDash val="solid"/>
-        </a:ln>
-        <a:effectLst/>
-      </dsp:spPr>
-      <dsp:style>
-        <a:lnRef idx="2">
-          <a:scrgbClr r="0" g="0" b="0"/>
-        </a:lnRef>
-        <a:fillRef idx="1">
-          <a:scrgbClr r="0" g="0" b="0"/>
-        </a:fillRef>
-        <a:effectRef idx="0">
-          <a:scrgbClr r="0" g="0" b="0"/>
-        </a:effectRef>
-        <a:fontRef idx="minor">
-          <a:schemeClr val="lt1"/>
-        </a:fontRef>
-      </dsp:style>
-      <dsp:txBody>
-        <a:bodyPr spcFirstLastPara="0" vert="horz" wrap="square" lIns="26670" tIns="13335" rIns="0" bIns="13335" numCol="1" spcCol="1270" anchor="ctr" anchorCtr="0">
-          <a:noAutofit/>
-        </a:bodyPr>
-        <a:lstStyle/>
-        <a:p>
-          <a:pPr lvl="0" algn="ctr" defTabSz="933450">
-            <a:lnSpc>
-              <a:spcPct val="90000"/>
-            </a:lnSpc>
-            <a:spcBef>
-              <a:spcPct val="0"/>
-            </a:spcBef>
-            <a:spcAft>
-              <a:spcPct val="35000"/>
-            </a:spcAft>
-          </a:pPr>
-          <a:r>
-            <a:rPr lang="en-US" sz="2100" kern="1200" dirty="0" smtClean="0"/>
-            <a:t>“Start”</a:t>
-          </a:r>
-          <a:endParaRPr lang="en-US" sz="2100" kern="1200" dirty="0"/>
-        </a:p>
-      </dsp:txBody>
-      <dsp:txXfrm>
-        <a:off x="541254" y="1261156"/>
-        <a:ext cx="829066" cy="552710"/>
-      </dsp:txXfrm>
-    </dsp:sp>
-    <dsp:sp modelId="{C8BB460A-3BA5-4D2F-8E6E-05B5F9184B1C}">
-      <dsp:nvSpPr>
-        <dsp:cNvPr id="0" name=""/>
-        <dsp:cNvSpPr/>
-      </dsp:nvSpPr>
-      <dsp:spPr>
-        <a:xfrm>
-          <a:off x="1467044" y="1308136"/>
-          <a:ext cx="1146874" cy="458749"/>
-        </a:xfrm>
-        <a:prstGeom prst="chevron">
-          <a:avLst/>
-        </a:prstGeom>
-        <a:solidFill>
-          <a:schemeClr val="accent1">
-            <a:alpha val="90000"/>
-            <a:tint val="40000"/>
-            <a:hueOff val="0"/>
-            <a:satOff val="0"/>
-            <a:lumOff val="0"/>
-            <a:alphaOff val="0"/>
-          </a:schemeClr>
-        </a:solidFill>
-        <a:ln w="25400" cap="flat" cmpd="sng" algn="ctr">
-          <a:solidFill>
-            <a:schemeClr val="accent1">
-              <a:alpha val="90000"/>
-              <a:tint val="40000"/>
-              <a:hueOff val="0"/>
-              <a:satOff val="0"/>
-              <a:lumOff val="0"/>
-              <a:alphaOff val="0"/>
-            </a:schemeClr>
-          </a:solidFill>
-          <a:prstDash val="solid"/>
-        </a:ln>
-        <a:effectLst/>
-      </dsp:spPr>
-      <dsp:style>
-        <a:lnRef idx="2">
-          <a:scrgbClr r="0" g="0" b="0"/>
-        </a:lnRef>
-        <a:fillRef idx="1">
-          <a:scrgbClr r="0" g="0" b="0"/>
-        </a:fillRef>
-        <a:effectRef idx="0">
-          <a:scrgbClr r="0" g="0" b="0"/>
-        </a:effectRef>
-        <a:fontRef idx="minor"/>
-      </dsp:style>
-      <dsp:txBody>
-        <a:bodyPr spcFirstLastPara="0" vert="horz" wrap="square" lIns="13970" tIns="6985" rIns="0" bIns="6985" numCol="1" spcCol="1270" anchor="ctr" anchorCtr="0">
-          <a:noAutofit/>
-        </a:bodyPr>
-        <a:lstStyle/>
-        <a:p>
-          <a:pPr lvl="0" algn="ctr" defTabSz="488950">
-            <a:lnSpc>
-              <a:spcPct val="90000"/>
-            </a:lnSpc>
-            <a:spcBef>
-              <a:spcPct val="0"/>
-            </a:spcBef>
-            <a:spcAft>
-              <a:spcPct val="35000"/>
-            </a:spcAft>
-          </a:pPr>
-          <a:r>
-            <a:rPr lang="en-US" sz="1100" kern="1200" dirty="0" smtClean="0"/>
-            <a:t>Move straight</a:t>
-          </a:r>
-          <a:endParaRPr lang="en-US" sz="1100" kern="1200" dirty="0"/>
-        </a:p>
-      </dsp:txBody>
-      <dsp:txXfrm>
-        <a:off x="1696419" y="1308136"/>
-        <a:ext cx="688125" cy="458749"/>
-      </dsp:txXfrm>
-    </dsp:sp>
-    <dsp:sp modelId="{DACE7244-69C2-4BEC-B512-AB9449BD9A34}">
-      <dsp:nvSpPr>
-        <dsp:cNvPr id="0" name=""/>
-        <dsp:cNvSpPr/>
-      </dsp:nvSpPr>
-      <dsp:spPr>
-        <a:xfrm>
-          <a:off x="264899" y="1891246"/>
-          <a:ext cx="1381776" cy="552710"/>
-        </a:xfrm>
-        <a:prstGeom prst="chevron">
-          <a:avLst/>
-        </a:prstGeom>
-        <a:solidFill>
-          <a:schemeClr val="accent1">
-            <a:hueOff val="0"/>
-            <a:satOff val="0"/>
-            <a:lumOff val="0"/>
-            <a:alphaOff val="0"/>
-          </a:schemeClr>
-        </a:solidFill>
-        <a:ln w="25400" cap="flat" cmpd="sng" algn="ctr">
-          <a:solidFill>
-            <a:schemeClr val="lt1">
-              <a:hueOff val="0"/>
-              <a:satOff val="0"/>
-              <a:lumOff val="0"/>
-              <a:alphaOff val="0"/>
-            </a:schemeClr>
-          </a:solidFill>
-          <a:prstDash val="solid"/>
-        </a:ln>
-        <a:effectLst/>
-      </dsp:spPr>
-      <dsp:style>
-        <a:lnRef idx="2">
-          <a:scrgbClr r="0" g="0" b="0"/>
-        </a:lnRef>
-        <a:fillRef idx="1">
-          <a:scrgbClr r="0" g="0" b="0"/>
-        </a:fillRef>
-        <a:effectRef idx="0">
-          <a:scrgbClr r="0" g="0" b="0"/>
-        </a:effectRef>
-        <a:fontRef idx="minor">
-          <a:schemeClr val="lt1"/>
-        </a:fontRef>
-      </dsp:style>
-      <dsp:txBody>
-        <a:bodyPr spcFirstLastPara="0" vert="horz" wrap="square" lIns="26670" tIns="13335" rIns="0" bIns="13335" numCol="1" spcCol="1270" anchor="ctr" anchorCtr="0">
-          <a:noAutofit/>
-        </a:bodyPr>
-        <a:lstStyle/>
-        <a:p>
-          <a:pPr lvl="0" algn="ctr" defTabSz="933450">
-            <a:lnSpc>
-              <a:spcPct val="90000"/>
-            </a:lnSpc>
-            <a:spcBef>
-              <a:spcPct val="0"/>
-            </a:spcBef>
-            <a:spcAft>
-              <a:spcPct val="35000"/>
-            </a:spcAft>
-          </a:pPr>
-          <a:r>
-            <a:rPr lang="en-US" sz="2100" kern="1200" dirty="0" smtClean="0"/>
-            <a:t>“Stop”</a:t>
-          </a:r>
-          <a:endParaRPr lang="en-US" sz="2100" kern="1200" dirty="0"/>
-        </a:p>
-      </dsp:txBody>
-      <dsp:txXfrm>
-        <a:off x="541254" y="1891246"/>
-        <a:ext cx="829066" cy="552710"/>
-      </dsp:txXfrm>
-    </dsp:sp>
-    <dsp:sp modelId="{F9E73588-CFBC-473C-98F3-3E6114A98896}">
-      <dsp:nvSpPr>
-        <dsp:cNvPr id="0" name=""/>
-        <dsp:cNvSpPr/>
-      </dsp:nvSpPr>
-      <dsp:spPr>
-        <a:xfrm>
-          <a:off x="1467044" y="1938226"/>
-          <a:ext cx="1146874" cy="458749"/>
-        </a:xfrm>
-        <a:prstGeom prst="chevron">
-          <a:avLst/>
-        </a:prstGeom>
-        <a:solidFill>
-          <a:schemeClr val="accent1">
-            <a:alpha val="90000"/>
-            <a:tint val="40000"/>
-            <a:hueOff val="0"/>
-            <a:satOff val="0"/>
-            <a:lumOff val="0"/>
-            <a:alphaOff val="0"/>
-          </a:schemeClr>
-        </a:solidFill>
-        <a:ln w="25400" cap="flat" cmpd="sng" algn="ctr">
-          <a:solidFill>
-            <a:schemeClr val="accent1">
-              <a:alpha val="90000"/>
-              <a:tint val="40000"/>
-              <a:hueOff val="0"/>
-              <a:satOff val="0"/>
-              <a:lumOff val="0"/>
-              <a:alphaOff val="0"/>
-            </a:schemeClr>
-          </a:solidFill>
-          <a:prstDash val="solid"/>
-        </a:ln>
-        <a:effectLst/>
-      </dsp:spPr>
-      <dsp:style>
-        <a:lnRef idx="2">
-          <a:scrgbClr r="0" g="0" b="0"/>
-        </a:lnRef>
-        <a:fillRef idx="1">
-          <a:scrgbClr r="0" g="0" b="0"/>
-        </a:fillRef>
-        <a:effectRef idx="0">
-          <a:scrgbClr r="0" g="0" b="0"/>
-        </a:effectRef>
-        <a:fontRef idx="minor"/>
-      </dsp:style>
-      <dsp:txBody>
-        <a:bodyPr spcFirstLastPara="0" vert="horz" wrap="square" lIns="13970" tIns="6985" rIns="0" bIns="6985" numCol="1" spcCol="1270" anchor="ctr" anchorCtr="0">
-          <a:noAutofit/>
-        </a:bodyPr>
-        <a:lstStyle/>
-        <a:p>
-          <a:pPr lvl="0" algn="ctr" defTabSz="488950">
-            <a:lnSpc>
-              <a:spcPct val="90000"/>
-            </a:lnSpc>
-            <a:spcBef>
-              <a:spcPct val="0"/>
-            </a:spcBef>
-            <a:spcAft>
-              <a:spcPct val="35000"/>
-            </a:spcAft>
-          </a:pPr>
-          <a:r>
-            <a:rPr lang="en-US" sz="1100" kern="1200" dirty="0" smtClean="0"/>
-            <a:t>Stop</a:t>
-          </a:r>
-          <a:endParaRPr lang="en-US" sz="1100" kern="1200" dirty="0"/>
-        </a:p>
-      </dsp:txBody>
-      <dsp:txXfrm>
-        <a:off x="1696419" y="1938226"/>
-        <a:ext cx="688125" cy="458749"/>
-      </dsp:txXfrm>
-    </dsp:sp>
   </dsp:spTree>
 </dsp:drawing>
 </file>
@@ -35321,10 +32420,14 @@
               <a:rPr lang="en" sz="2800" dirty="0" smtClean="0"/>
             </a:br>
             <a:r>
-              <a:rPr lang="en" dirty="0" smtClean="0"/>
-              <a:t>disable person</a:t>
+              <a:rPr lang="en" sz="3400" dirty="0" smtClean="0"/>
+              <a:t>disabled </a:t>
             </a:r>
-            <a:endParaRPr dirty="0"/>
+            <a:r>
+              <a:rPr lang="en" sz="3400" dirty="0" smtClean="0"/>
+              <a:t>person</a:t>
+            </a:r>
+            <a:endParaRPr sz="3400" dirty="0"/>
           </a:p>
         </p:txBody>
       </p:sp>
@@ -36057,8 +33160,16 @@
               <a:buChar char="q"/>
             </a:pPr>
             <a:r>
+              <a:rPr lang="en-US" smtClean="0"/>
+              <a:t>Make </a:t>
+            </a:r>
+            <a:r>
+              <a:rPr lang="en-US" smtClean="0"/>
+              <a:t>disabled </a:t>
+            </a:r>
+            <a:r>
               <a:rPr lang="en-US" dirty="0" smtClean="0"/>
-              <a:t>Make disable persons able to do everyday works</a:t>
+              <a:t>persons able to do everyday works</a:t>
             </a:r>
             <a:endParaRPr lang="en-US" dirty="0"/>
           </a:p>
